--- a/Team1-IIKH.pptx
+++ b/Team1-IIKH.pptx
@@ -5,7 +5,7 @@
     <p:sldMasterId id="2147483648" r:id="rId1"/>
   </p:sldMasterIdLst>
   <p:notesMasterIdLst>
-    <p:notesMasterId r:id="rId15"/>
+    <p:notesMasterId r:id="rId17"/>
   </p:notesMasterIdLst>
   <p:sldIdLst>
     <p:sldId id="256" r:id="rId2"/>
@@ -14,13 +14,15 @@
     <p:sldId id="269" r:id="rId5"/>
     <p:sldId id="268" r:id="rId6"/>
     <p:sldId id="270" r:id="rId7"/>
-    <p:sldId id="266" r:id="rId8"/>
-    <p:sldId id="260" r:id="rId9"/>
-    <p:sldId id="261" r:id="rId10"/>
-    <p:sldId id="262" r:id="rId11"/>
-    <p:sldId id="263" r:id="rId12"/>
-    <p:sldId id="265" r:id="rId13"/>
-    <p:sldId id="259" r:id="rId14"/>
+    <p:sldId id="272" r:id="rId8"/>
+    <p:sldId id="266" r:id="rId9"/>
+    <p:sldId id="273" r:id="rId10"/>
+    <p:sldId id="260" r:id="rId11"/>
+    <p:sldId id="261" r:id="rId12"/>
+    <p:sldId id="262" r:id="rId13"/>
+    <p:sldId id="263" r:id="rId14"/>
+    <p:sldId id="265" r:id="rId15"/>
+    <p:sldId id="259" r:id="rId16"/>
   </p:sldIdLst>
   <p:sldSz cx="12192000" cy="6858000"/>
   <p:notesSz cx="6858000" cy="9144000"/>
@@ -4341,10 +4343,10 @@
       </p:grpSpPr>
       <p:sp>
         <p:nvSpPr>
-          <p:cNvPr id="4" name="평행 사변형 3">
-            <a:extLst>
-              <a:ext uri="{FF2B5EF4-FFF2-40B4-BE49-F238E27FC236}">
-                <a16:creationId xmlns:a16="http://schemas.microsoft.com/office/drawing/2014/main" id="{E477664E-BFD5-400B-ABE3-6F5B1B2C616F}"/>
+          <p:cNvPr id="5" name="순서도: 처리 4">
+            <a:extLst>
+              <a:ext uri="{FF2B5EF4-FFF2-40B4-BE49-F238E27FC236}">
+                <a16:creationId xmlns:a16="http://schemas.microsoft.com/office/drawing/2014/main" id="{13D64261-93A9-47F8-A6C6-D936ECEB76AB}"/>
               </a:ext>
             </a:extLst>
           </p:cNvPr>
@@ -4352,14 +4354,12 @@
           <p:nvPr/>
         </p:nvSpPr>
         <p:spPr>
-          <a:xfrm rot="10800000">
-            <a:off x="-830516" y="-902800"/>
-            <a:ext cx="5461238" cy="1761688"/>
-          </a:xfrm>
-          <a:prstGeom prst="parallelogram">
-            <a:avLst>
-              <a:gd name="adj" fmla="val 56428"/>
-            </a:avLst>
+          <a:xfrm>
+            <a:off x="6769531" y="1759073"/>
+            <a:ext cx="5020574" cy="86263"/>
+          </a:xfrm>
+          <a:prstGeom prst="flowChartProcess">
+            <a:avLst/>
           </a:prstGeom>
         </p:spPr>
         <p:style>
@@ -4383,16 +4383,59 @@
           <a:lstStyle/>
           <a:p>
             <a:pPr algn="ctr"/>
-            <a:endParaRPr lang="ko-KR" altLang="en-US"/>
-          </a:p>
-        </p:txBody>
-      </p:sp>
-      <p:sp>
-        <p:nvSpPr>
-          <p:cNvPr id="5" name="직사각형 4">
-            <a:extLst>
-              <a:ext uri="{FF2B5EF4-FFF2-40B4-BE49-F238E27FC236}">
-                <a16:creationId xmlns:a16="http://schemas.microsoft.com/office/drawing/2014/main" id="{D7F1DFB5-8066-462A-8D7D-53B48233EA83}"/>
+            <a:endParaRPr lang="ko-KR" altLang="en-US" dirty="0"/>
+          </a:p>
+        </p:txBody>
+      </p:sp>
+      <p:sp>
+        <p:nvSpPr>
+          <p:cNvPr id="6" name="제목 1">
+            <a:extLst>
+              <a:ext uri="{FF2B5EF4-FFF2-40B4-BE49-F238E27FC236}">
+                <a16:creationId xmlns:a16="http://schemas.microsoft.com/office/drawing/2014/main" id="{3473AA1E-C84B-41EE-9AD5-0C4466E5C22B}"/>
+              </a:ext>
+            </a:extLst>
+          </p:cNvPr>
+          <p:cNvSpPr>
+            <a:spLocks noGrp="1"/>
+          </p:cNvSpPr>
+          <p:nvPr>
+            <p:ph type="title"/>
+          </p:nvPr>
+        </p:nvSpPr>
+        <p:spPr>
+          <a:xfrm>
+            <a:off x="6367636" y="806574"/>
+            <a:ext cx="5824364" cy="1104900"/>
+          </a:xfrm>
+        </p:spPr>
+        <p:txBody>
+          <a:bodyPr>
+            <a:normAutofit/>
+          </a:bodyPr>
+          <a:lstStyle/>
+          <a:p>
+            <a:pPr algn="ctr"/>
+            <a:r>
+              <a:rPr lang="en-US" altLang="ko-KR" dirty="0">
+                <a:latin typeface="Arial" panose="020B0604020202020204" pitchFamily="34" charset="0"/>
+                <a:cs typeface="Arial" panose="020B0604020202020204" pitchFamily="34" charset="0"/>
+              </a:rPr>
+              <a:t>What we needed</a:t>
+            </a:r>
+            <a:endParaRPr lang="ko-KR" altLang="en-US" dirty="0">
+              <a:latin typeface="Arial" panose="020B0604020202020204" pitchFamily="34" charset="0"/>
+              <a:cs typeface="Arial" panose="020B0604020202020204" pitchFamily="34" charset="0"/>
+            </a:endParaRPr>
+          </a:p>
+        </p:txBody>
+      </p:sp>
+      <p:sp>
+        <p:nvSpPr>
+          <p:cNvPr id="7" name="직사각형 6">
+            <a:extLst>
+              <a:ext uri="{FF2B5EF4-FFF2-40B4-BE49-F238E27FC236}">
+                <a16:creationId xmlns:a16="http://schemas.microsoft.com/office/drawing/2014/main" id="{CC55C8BE-63E9-4C6C-A0C3-5A5E396C5D1A}"/>
               </a:ext>
             </a:extLst>
           </p:cNvPr>
@@ -4401,79 +4444,572 @@
         </p:nvSpPr>
         <p:spPr>
           <a:xfrm>
-            <a:off x="192033" y="41945"/>
-            <a:ext cx="3007555" cy="707886"/>
+            <a:off x="2374040" y="1341412"/>
+            <a:ext cx="2570672" cy="1708030"/>
           </a:xfrm>
           <a:prstGeom prst="rect">
             <a:avLst/>
           </a:prstGeom>
         </p:spPr>
-        <p:txBody>
-          <a:bodyPr wrap="none">
-            <a:spAutoFit/>
-          </a:bodyPr>
-          <a:lstStyle/>
-          <a:p>
-            <a:r>
-              <a:rPr lang="en-US" altLang="ko-KR" sz="4000" dirty="0">
-                <a:solidFill>
-                  <a:schemeClr val="bg1"/>
-                </a:solidFill>
+        <p:style>
+          <a:lnRef idx="2">
+            <a:schemeClr val="dk1"/>
+          </a:lnRef>
+          <a:fillRef idx="1">
+            <a:schemeClr val="lt1"/>
+          </a:fillRef>
+          <a:effectRef idx="0">
+            <a:schemeClr val="dk1"/>
+          </a:effectRef>
+          <a:fontRef idx="minor">
+            <a:schemeClr val="dk1"/>
+          </a:fontRef>
+        </p:style>
+        <p:txBody>
+          <a:bodyPr rtlCol="0" anchor="ctr"/>
+          <a:lstStyle/>
+          <a:p>
+            <a:pPr algn="ctr"/>
+            <a:r>
+              <a:rPr lang="en-US" altLang="ko-KR" dirty="0"/>
+              <a:t>User Interface</a:t>
+            </a:r>
+          </a:p>
+        </p:txBody>
+      </p:sp>
+      <p:sp>
+        <p:nvSpPr>
+          <p:cNvPr id="8" name="직사각형 7">
+            <a:extLst>
+              <a:ext uri="{FF2B5EF4-FFF2-40B4-BE49-F238E27FC236}">
+                <a16:creationId xmlns:a16="http://schemas.microsoft.com/office/drawing/2014/main" id="{4867F0B9-22A1-48BB-97D5-ECDD5013E763}"/>
+              </a:ext>
+            </a:extLst>
+          </p:cNvPr>
+          <p:cNvSpPr/>
+          <p:nvPr/>
+        </p:nvSpPr>
+        <p:spPr>
+          <a:xfrm>
+            <a:off x="2374040" y="806574"/>
+            <a:ext cx="2570672" cy="534838"/>
+          </a:xfrm>
+          <a:prstGeom prst="rect">
+            <a:avLst/>
+          </a:prstGeom>
+        </p:spPr>
+        <p:style>
+          <a:lnRef idx="2">
+            <a:schemeClr val="dk1">
+              <a:shade val="50000"/>
+            </a:schemeClr>
+          </a:lnRef>
+          <a:fillRef idx="1">
+            <a:schemeClr val="dk1"/>
+          </a:fillRef>
+          <a:effectRef idx="0">
+            <a:schemeClr val="dk1"/>
+          </a:effectRef>
+          <a:fontRef idx="minor">
+            <a:schemeClr val="lt1"/>
+          </a:fontRef>
+        </p:style>
+        <p:txBody>
+          <a:bodyPr rtlCol="0" anchor="ctr"/>
+          <a:lstStyle/>
+          <a:p>
+            <a:pPr algn="ctr"/>
+            <a:r>
+              <a:rPr lang="en-US" altLang="ko-KR" dirty="0">
                 <a:latin typeface="Arial" panose="020B0604020202020204" pitchFamily="34" charset="0"/>
                 <a:cs typeface="Arial" panose="020B0604020202020204" pitchFamily="34" charset="0"/>
               </a:rPr>
-              <a:t>What we did</a:t>
-            </a:r>
-            <a:endParaRPr lang="ko-KR" altLang="en-US" sz="4000" dirty="0">
-              <a:solidFill>
-                <a:schemeClr val="bg1"/>
-              </a:solidFill>
+              <a:t>Greeter</a:t>
+            </a:r>
+            <a:endParaRPr lang="ko-KR" altLang="en-US" dirty="0">
               <a:latin typeface="Arial" panose="020B0604020202020204" pitchFamily="34" charset="0"/>
               <a:cs typeface="Arial" panose="020B0604020202020204" pitchFamily="34" charset="0"/>
             </a:endParaRPr>
           </a:p>
         </p:txBody>
       </p:sp>
-      <p:pic>
-        <p:nvPicPr>
-          <p:cNvPr id="9" name="그림 8">
-            <a:extLst>
-              <a:ext uri="{FF2B5EF4-FFF2-40B4-BE49-F238E27FC236}">
-                <a16:creationId xmlns:a16="http://schemas.microsoft.com/office/drawing/2014/main" id="{A0625CAD-495E-4F2C-AD7D-BE600355893F}"/>
-              </a:ext>
-            </a:extLst>
-          </p:cNvPr>
-          <p:cNvPicPr>
-            <a:picLocks noChangeAspect="1"/>
-          </p:cNvPicPr>
+      <p:sp>
+        <p:nvSpPr>
+          <p:cNvPr id="9" name="직사각형 8">
+            <a:extLst>
+              <a:ext uri="{FF2B5EF4-FFF2-40B4-BE49-F238E27FC236}">
+                <a16:creationId xmlns:a16="http://schemas.microsoft.com/office/drawing/2014/main" id="{96344A15-2F2C-4A1A-952A-8E59BCC64105}"/>
+              </a:ext>
+            </a:extLst>
+          </p:cNvPr>
+          <p:cNvSpPr/>
           <p:nvPr/>
-        </p:nvPicPr>
-        <p:blipFill>
-          <a:blip r:embed="rId2">
-            <a:extLst>
-              <a:ext uri="{28A0092B-C50C-407E-A947-70E740481C1C}">
-                <a14:useLocalDpi xmlns:a14="http://schemas.microsoft.com/office/drawing/2010/main" val="0"/>
-              </a:ext>
-            </a:extLst>
-          </a:blip>
-          <a:stretch>
-            <a:fillRect/>
-          </a:stretch>
-        </p:blipFill>
-        <p:spPr>
-          <a:xfrm>
-            <a:off x="3081554" y="1314972"/>
-            <a:ext cx="5637406" cy="4228055"/>
+        </p:nvSpPr>
+        <p:spPr>
+          <a:xfrm>
+            <a:off x="620002" y="3966722"/>
+            <a:ext cx="2570672" cy="1708030"/>
           </a:xfrm>
           <a:prstGeom prst="rect">
             <a:avLst/>
           </a:prstGeom>
         </p:spPr>
-      </p:pic>
+        <p:style>
+          <a:lnRef idx="2">
+            <a:schemeClr val="dk1"/>
+          </a:lnRef>
+          <a:fillRef idx="1">
+            <a:schemeClr val="lt1"/>
+          </a:fillRef>
+          <a:effectRef idx="0">
+            <a:schemeClr val="dk1"/>
+          </a:effectRef>
+          <a:fontRef idx="minor">
+            <a:schemeClr val="dk1"/>
+          </a:fontRef>
+        </p:style>
+        <p:txBody>
+          <a:bodyPr rtlCol="0" anchor="ctr"/>
+          <a:lstStyle/>
+          <a:p>
+            <a:pPr algn="ctr"/>
+            <a:r>
+              <a:rPr lang="en-US" altLang="ko-KR" dirty="0"/>
+              <a:t>Read csv file</a:t>
+            </a:r>
+            <a:br>
+              <a:rPr lang="en-US" altLang="ko-KR" dirty="0"/>
+            </a:br>
+            <a:br>
+              <a:rPr lang="en-US" altLang="ko-KR" dirty="0"/>
+            </a:br>
+            <a:r>
+              <a:rPr lang="en-US" altLang="ko-KR" dirty="0"/>
+              <a:t>Write csv files</a:t>
+            </a:r>
+          </a:p>
+        </p:txBody>
+      </p:sp>
+      <p:sp>
+        <p:nvSpPr>
+          <p:cNvPr id="10" name="직사각형 9">
+            <a:extLst>
+              <a:ext uri="{FF2B5EF4-FFF2-40B4-BE49-F238E27FC236}">
+                <a16:creationId xmlns:a16="http://schemas.microsoft.com/office/drawing/2014/main" id="{D3AA327D-2493-4F76-9845-41D481BE0E4A}"/>
+              </a:ext>
+            </a:extLst>
+          </p:cNvPr>
+          <p:cNvSpPr/>
+          <p:nvPr/>
+        </p:nvSpPr>
+        <p:spPr>
+          <a:xfrm>
+            <a:off x="620002" y="3431884"/>
+            <a:ext cx="2570672" cy="534838"/>
+          </a:xfrm>
+          <a:prstGeom prst="rect">
+            <a:avLst/>
+          </a:prstGeom>
+        </p:spPr>
+        <p:style>
+          <a:lnRef idx="2">
+            <a:schemeClr val="dk1">
+              <a:shade val="50000"/>
+            </a:schemeClr>
+          </a:lnRef>
+          <a:fillRef idx="1">
+            <a:schemeClr val="dk1"/>
+          </a:fillRef>
+          <a:effectRef idx="0">
+            <a:schemeClr val="dk1"/>
+          </a:effectRef>
+          <a:fontRef idx="minor">
+            <a:schemeClr val="lt1"/>
+          </a:fontRef>
+        </p:style>
+        <p:txBody>
+          <a:bodyPr rtlCol="0" anchor="ctr"/>
+          <a:lstStyle/>
+          <a:p>
+            <a:pPr algn="ctr"/>
+            <a:r>
+              <a:rPr lang="en-US" altLang="ko-KR" dirty="0">
+                <a:latin typeface="Arial" panose="020B0604020202020204" pitchFamily="34" charset="0"/>
+                <a:cs typeface="Arial" panose="020B0604020202020204" pitchFamily="34" charset="0"/>
+              </a:rPr>
+              <a:t>CSV Parser</a:t>
+            </a:r>
+            <a:endParaRPr lang="ko-KR" altLang="en-US" dirty="0">
+              <a:latin typeface="Arial" panose="020B0604020202020204" pitchFamily="34" charset="0"/>
+              <a:cs typeface="Arial" panose="020B0604020202020204" pitchFamily="34" charset="0"/>
+            </a:endParaRPr>
+          </a:p>
+        </p:txBody>
+      </p:sp>
+      <p:sp>
+        <p:nvSpPr>
+          <p:cNvPr id="11" name="직사각형 10">
+            <a:extLst>
+              <a:ext uri="{FF2B5EF4-FFF2-40B4-BE49-F238E27FC236}">
+                <a16:creationId xmlns:a16="http://schemas.microsoft.com/office/drawing/2014/main" id="{944579FF-BEC7-4FE1-A888-690ABAC492BE}"/>
+              </a:ext>
+            </a:extLst>
+          </p:cNvPr>
+          <p:cNvSpPr/>
+          <p:nvPr/>
+        </p:nvSpPr>
+        <p:spPr>
+          <a:xfrm>
+            <a:off x="4153957" y="3966722"/>
+            <a:ext cx="2570672" cy="1708030"/>
+          </a:xfrm>
+          <a:prstGeom prst="rect">
+            <a:avLst/>
+          </a:prstGeom>
+        </p:spPr>
+        <p:style>
+          <a:lnRef idx="2">
+            <a:schemeClr val="dk1"/>
+          </a:lnRef>
+          <a:fillRef idx="1">
+            <a:schemeClr val="lt1"/>
+          </a:fillRef>
+          <a:effectRef idx="0">
+            <a:schemeClr val="dk1"/>
+          </a:effectRef>
+          <a:fontRef idx="minor">
+            <a:schemeClr val="dk1"/>
+          </a:fontRef>
+        </p:style>
+        <p:txBody>
+          <a:bodyPr rtlCol="0" anchor="ctr"/>
+          <a:lstStyle/>
+          <a:p>
+            <a:pPr algn="ctr"/>
+            <a:r>
+              <a:rPr lang="en-US" altLang="ko-KR" dirty="0"/>
+              <a:t>Process Data</a:t>
+            </a:r>
+            <a:br>
+              <a:rPr lang="en-US" altLang="ko-KR" dirty="0"/>
+            </a:br>
+            <a:br>
+              <a:rPr lang="en-US" altLang="ko-KR" dirty="0"/>
+            </a:br>
+            <a:r>
+              <a:rPr lang="en-US" altLang="ko-KR" dirty="0"/>
+              <a:t>Manage Database</a:t>
+            </a:r>
+            <a:br>
+              <a:rPr lang="en-US" altLang="ko-KR" dirty="0"/>
+            </a:br>
+            <a:r>
+              <a:rPr lang="en-US" altLang="ko-KR" dirty="0"/>
+              <a:t>(</a:t>
+            </a:r>
+            <a:r>
+              <a:rPr lang="en-US" altLang="ko-KR" dirty="0" err="1"/>
+              <a:t>PlanDB</a:t>
+            </a:r>
+            <a:r>
+              <a:rPr lang="en-US" altLang="ko-KR" dirty="0"/>
+              <a:t>/</a:t>
+            </a:r>
+            <a:r>
+              <a:rPr lang="en-US" altLang="ko-KR" dirty="0" err="1"/>
+              <a:t>RecipeDB</a:t>
+            </a:r>
+            <a:r>
+              <a:rPr lang="en-US" altLang="ko-KR" dirty="0"/>
+              <a:t>)</a:t>
+            </a:r>
+          </a:p>
+          <a:p>
+            <a:pPr algn="ctr"/>
+            <a:endParaRPr lang="en-US" altLang="ko-KR" dirty="0"/>
+          </a:p>
+          <a:p>
+            <a:pPr algn="ctr"/>
+            <a:r>
+              <a:rPr lang="en-US" altLang="ko-KR" dirty="0"/>
+              <a:t>Handle Exception</a:t>
+            </a:r>
+            <a:endParaRPr lang="ko-KR" altLang="en-US" dirty="0"/>
+          </a:p>
+        </p:txBody>
+      </p:sp>
+      <p:sp>
+        <p:nvSpPr>
+          <p:cNvPr id="12" name="직사각형 11">
+            <a:extLst>
+              <a:ext uri="{FF2B5EF4-FFF2-40B4-BE49-F238E27FC236}">
+                <a16:creationId xmlns:a16="http://schemas.microsoft.com/office/drawing/2014/main" id="{E4803FA9-16AE-4F00-A2E4-F0D86D792291}"/>
+              </a:ext>
+            </a:extLst>
+          </p:cNvPr>
+          <p:cNvSpPr/>
+          <p:nvPr/>
+        </p:nvSpPr>
+        <p:spPr>
+          <a:xfrm>
+            <a:off x="4153957" y="3431884"/>
+            <a:ext cx="2570672" cy="534838"/>
+          </a:xfrm>
+          <a:prstGeom prst="rect">
+            <a:avLst/>
+          </a:prstGeom>
+        </p:spPr>
+        <p:style>
+          <a:lnRef idx="2">
+            <a:schemeClr val="dk1">
+              <a:shade val="50000"/>
+            </a:schemeClr>
+          </a:lnRef>
+          <a:fillRef idx="1">
+            <a:schemeClr val="dk1"/>
+          </a:fillRef>
+          <a:effectRef idx="0">
+            <a:schemeClr val="dk1"/>
+          </a:effectRef>
+          <a:fontRef idx="minor">
+            <a:schemeClr val="lt1"/>
+          </a:fontRef>
+        </p:style>
+        <p:txBody>
+          <a:bodyPr rtlCol="0" anchor="ctr"/>
+          <a:lstStyle/>
+          <a:p>
+            <a:pPr algn="ctr"/>
+            <a:r>
+              <a:rPr lang="en-US" altLang="ko-KR" dirty="0">
+                <a:latin typeface="Arial" panose="020B0604020202020204" pitchFamily="34" charset="0"/>
+                <a:cs typeface="Arial" panose="020B0604020202020204" pitchFamily="34" charset="0"/>
+              </a:rPr>
+              <a:t>Inner Structure</a:t>
+            </a:r>
+            <a:endParaRPr lang="ko-KR" altLang="en-US" dirty="0">
+              <a:latin typeface="Arial" panose="020B0604020202020204" pitchFamily="34" charset="0"/>
+              <a:cs typeface="Arial" panose="020B0604020202020204" pitchFamily="34" charset="0"/>
+            </a:endParaRPr>
+          </a:p>
+        </p:txBody>
+      </p:sp>
+      <p:sp>
+        <p:nvSpPr>
+          <p:cNvPr id="16" name="화살표: 왼쪽/위쪽 15">
+            <a:extLst>
+              <a:ext uri="{FF2B5EF4-FFF2-40B4-BE49-F238E27FC236}">
+                <a16:creationId xmlns:a16="http://schemas.microsoft.com/office/drawing/2014/main" id="{AF0C6541-1ED8-40C5-9E1A-AEA3C3AA35D9}"/>
+              </a:ext>
+            </a:extLst>
+          </p:cNvPr>
+          <p:cNvSpPr/>
+          <p:nvPr/>
+        </p:nvSpPr>
+        <p:spPr>
+          <a:xfrm rot="16200000">
+            <a:off x="5440731" y="2365084"/>
+            <a:ext cx="531962" cy="534838"/>
+          </a:xfrm>
+          <a:prstGeom prst="leftUpArrow">
+            <a:avLst/>
+          </a:prstGeom>
+        </p:spPr>
+        <p:style>
+          <a:lnRef idx="2">
+            <a:schemeClr val="dk1"/>
+          </a:lnRef>
+          <a:fillRef idx="1">
+            <a:schemeClr val="lt1"/>
+          </a:fillRef>
+          <a:effectRef idx="0">
+            <a:schemeClr val="dk1"/>
+          </a:effectRef>
+          <a:fontRef idx="minor">
+            <a:schemeClr val="dk1"/>
+          </a:fontRef>
+        </p:style>
+        <p:txBody>
+          <a:bodyPr rtlCol="0" anchor="ctr"/>
+          <a:lstStyle/>
+          <a:p>
+            <a:pPr algn="ctr"/>
+            <a:endParaRPr lang="ko-KR" altLang="en-US"/>
+          </a:p>
+        </p:txBody>
+      </p:sp>
+      <p:sp>
+        <p:nvSpPr>
+          <p:cNvPr id="17" name="화살표: 왼쪽/위쪽 16">
+            <a:extLst>
+              <a:ext uri="{FF2B5EF4-FFF2-40B4-BE49-F238E27FC236}">
+                <a16:creationId xmlns:a16="http://schemas.microsoft.com/office/drawing/2014/main" id="{4F2B1FF3-70D8-4FC4-AAB8-E70EA85FF861}"/>
+              </a:ext>
+            </a:extLst>
+          </p:cNvPr>
+          <p:cNvSpPr/>
+          <p:nvPr/>
+        </p:nvSpPr>
+        <p:spPr>
+          <a:xfrm rot="10800000">
+            <a:off x="1344621" y="2362208"/>
+            <a:ext cx="531962" cy="534838"/>
+          </a:xfrm>
+          <a:prstGeom prst="leftUpArrow">
+            <a:avLst/>
+          </a:prstGeom>
+        </p:spPr>
+        <p:style>
+          <a:lnRef idx="2">
+            <a:schemeClr val="dk1"/>
+          </a:lnRef>
+          <a:fillRef idx="1">
+            <a:schemeClr val="lt1"/>
+          </a:fillRef>
+          <a:effectRef idx="0">
+            <a:schemeClr val="dk1"/>
+          </a:effectRef>
+          <a:fontRef idx="minor">
+            <a:schemeClr val="dk1"/>
+          </a:fontRef>
+        </p:style>
+        <p:txBody>
+          <a:bodyPr rtlCol="0" anchor="ctr"/>
+          <a:lstStyle/>
+          <a:p>
+            <a:pPr algn="ctr"/>
+            <a:endParaRPr lang="ko-KR" altLang="en-US"/>
+          </a:p>
+        </p:txBody>
+      </p:sp>
+      <p:sp>
+        <p:nvSpPr>
+          <p:cNvPr id="18" name="화살표: 왼쪽/오른쪽 17">
+            <a:extLst>
+              <a:ext uri="{FF2B5EF4-FFF2-40B4-BE49-F238E27FC236}">
+                <a16:creationId xmlns:a16="http://schemas.microsoft.com/office/drawing/2014/main" id="{C6E988B5-314B-4ECA-836E-84938C2AFB13}"/>
+              </a:ext>
+            </a:extLst>
+          </p:cNvPr>
+          <p:cNvSpPr/>
+          <p:nvPr/>
+        </p:nvSpPr>
+        <p:spPr>
+          <a:xfrm>
+            <a:off x="3354576" y="4670851"/>
+            <a:ext cx="586596" cy="293299"/>
+          </a:xfrm>
+          <a:prstGeom prst="leftRightArrow">
+            <a:avLst/>
+          </a:prstGeom>
+        </p:spPr>
+        <p:style>
+          <a:lnRef idx="2">
+            <a:schemeClr val="dk1"/>
+          </a:lnRef>
+          <a:fillRef idx="1">
+            <a:schemeClr val="lt1"/>
+          </a:fillRef>
+          <a:effectRef idx="0">
+            <a:schemeClr val="dk1"/>
+          </a:effectRef>
+          <a:fontRef idx="minor">
+            <a:schemeClr val="dk1"/>
+          </a:fontRef>
+        </p:style>
+        <p:txBody>
+          <a:bodyPr rtlCol="0" anchor="ctr"/>
+          <a:lstStyle/>
+          <a:p>
+            <a:pPr algn="ctr"/>
+            <a:endParaRPr lang="ko-KR" altLang="en-US"/>
+          </a:p>
+        </p:txBody>
+      </p:sp>
+      <p:sp>
+        <p:nvSpPr>
+          <p:cNvPr id="20" name="TextBox 19">
+            <a:extLst>
+              <a:ext uri="{FF2B5EF4-FFF2-40B4-BE49-F238E27FC236}">
+                <a16:creationId xmlns:a16="http://schemas.microsoft.com/office/drawing/2014/main" id="{49AEF1F5-874F-42CA-8689-55F90EABB391}"/>
+              </a:ext>
+            </a:extLst>
+          </p:cNvPr>
+          <p:cNvSpPr txBox="1"/>
+          <p:nvPr/>
+        </p:nvSpPr>
+        <p:spPr>
+          <a:xfrm>
+            <a:off x="6769531" y="3049442"/>
+            <a:ext cx="5422469" cy="646331"/>
+          </a:xfrm>
+          <a:prstGeom prst="rect">
+            <a:avLst/>
+          </a:prstGeom>
+          <a:noFill/>
+        </p:spPr>
+        <p:txBody>
+          <a:bodyPr wrap="square" rtlCol="0">
+            <a:spAutoFit/>
+          </a:bodyPr>
+          <a:lstStyle/>
+          <a:p>
+            <a:pPr algn="ctr"/>
+            <a:r>
+              <a:rPr lang="en-US" altLang="ko-KR" sz="2400" dirty="0"/>
+              <a:t> </a:t>
+            </a:r>
+            <a:r>
+              <a:rPr lang="en-US" altLang="ko-KR" sz="3600" dirty="0"/>
+              <a:t>“Design of Components”</a:t>
+            </a:r>
+          </a:p>
+        </p:txBody>
+      </p:sp>
+      <p:sp>
+        <p:nvSpPr>
+          <p:cNvPr id="14" name="TextBox 13">
+            <a:extLst>
+              <a:ext uri="{FF2B5EF4-FFF2-40B4-BE49-F238E27FC236}">
+                <a16:creationId xmlns:a16="http://schemas.microsoft.com/office/drawing/2014/main" id="{DFE415D0-20B5-47B4-BEC2-D434890B87FA}"/>
+              </a:ext>
+            </a:extLst>
+          </p:cNvPr>
+          <p:cNvSpPr txBox="1"/>
+          <p:nvPr/>
+        </p:nvSpPr>
+        <p:spPr>
+          <a:xfrm>
+            <a:off x="6769531" y="3966722"/>
+            <a:ext cx="5422469" cy="584775"/>
+          </a:xfrm>
+          <a:prstGeom prst="rect">
+            <a:avLst/>
+          </a:prstGeom>
+          <a:noFill/>
+        </p:spPr>
+        <p:txBody>
+          <a:bodyPr wrap="square" rtlCol="0">
+            <a:spAutoFit/>
+          </a:bodyPr>
+          <a:lstStyle/>
+          <a:p>
+            <a:pPr algn="ctr"/>
+            <a:r>
+              <a:rPr lang="en-US" altLang="ko-KR" sz="2000" dirty="0"/>
+              <a:t> </a:t>
+            </a:r>
+            <a:r>
+              <a:rPr lang="en-US" altLang="ko-KR" sz="3200" dirty="0"/>
+              <a:t>“Whose Responsibility is it?”</a:t>
+            </a:r>
+          </a:p>
+        </p:txBody>
+      </p:sp>
     </p:spTree>
     <p:extLst>
       <p:ext uri="{BB962C8B-B14F-4D97-AF65-F5344CB8AC3E}">
-        <p14:creationId xmlns:p14="http://schemas.microsoft.com/office/powerpoint/2010/main" val="263147027"/>
+        <p14:creationId xmlns:p14="http://schemas.microsoft.com/office/powerpoint/2010/main" val="2087822994"/>
       </p:ext>
     </p:extLst>
   </p:cSld>
@@ -4505,7 +5041,7 @@
           <p:cNvPr id="4" name="평행 사변형 3">
             <a:extLst>
               <a:ext uri="{FF2B5EF4-FFF2-40B4-BE49-F238E27FC236}">
-                <a16:creationId xmlns:a16="http://schemas.microsoft.com/office/drawing/2014/main" id="{80EBA111-2F32-4EB2-BE53-64AC66DB59BE}"/>
+                <a16:creationId xmlns:a16="http://schemas.microsoft.com/office/drawing/2014/main" id="{E477664E-BFD5-400B-ABE3-6F5B1B2C616F}"/>
               </a:ext>
             </a:extLst>
           </p:cNvPr>
@@ -4553,7 +5089,7 @@
           <p:cNvPr id="5" name="직사각형 4">
             <a:extLst>
               <a:ext uri="{FF2B5EF4-FFF2-40B4-BE49-F238E27FC236}">
-                <a16:creationId xmlns:a16="http://schemas.microsoft.com/office/drawing/2014/main" id="{EA18EE7B-24DC-4134-B2E3-E0848EFCE7D3}"/>
+                <a16:creationId xmlns:a16="http://schemas.microsoft.com/office/drawing/2014/main" id="{D7F1DFB5-8066-462A-8D7D-53B48233EA83}"/>
               </a:ext>
             </a:extLst>
           </p:cNvPr>
@@ -4595,92 +5131,82 @@
           </a:p>
         </p:txBody>
       </p:sp>
-      <p:sp>
-        <p:nvSpPr>
-          <p:cNvPr id="6" name="TextBox 5">
-            <a:extLst>
-              <a:ext uri="{FF2B5EF4-FFF2-40B4-BE49-F238E27FC236}">
-                <a16:creationId xmlns:a16="http://schemas.microsoft.com/office/drawing/2014/main" id="{588F0498-F8AE-4AB3-A681-90C754107EC4}"/>
-              </a:ext>
-            </a:extLst>
-          </p:cNvPr>
-          <p:cNvSpPr txBox="1"/>
+      <p:pic>
+        <p:nvPicPr>
+          <p:cNvPr id="6" name="그림 5">
+            <a:extLst>
+              <a:ext uri="{FF2B5EF4-FFF2-40B4-BE49-F238E27FC236}">
+                <a16:creationId xmlns:a16="http://schemas.microsoft.com/office/drawing/2014/main" id="{96669A3F-17E0-4F40-8771-53A29C3D4650}"/>
+              </a:ext>
+            </a:extLst>
+          </p:cNvPr>
+          <p:cNvPicPr>
+            <a:picLocks noChangeAspect="1"/>
+          </p:cNvPicPr>
           <p:nvPr/>
-        </p:nvSpPr>
-        <p:spPr>
-          <a:xfrm>
-            <a:off x="2827089" y="3059668"/>
-            <a:ext cx="3212983" cy="369332"/>
+        </p:nvPicPr>
+        <p:blipFill>
+          <a:blip r:embed="rId2">
+            <a:extLst>
+              <a:ext uri="{28A0092B-C50C-407E-A947-70E740481C1C}">
+                <a14:useLocalDpi xmlns:a14="http://schemas.microsoft.com/office/drawing/2010/main" val="0"/>
+              </a:ext>
+            </a:extLst>
+          </a:blip>
+          <a:stretch>
+            <a:fillRect/>
+          </a:stretch>
+        </p:blipFill>
+        <p:spPr>
+          <a:xfrm>
+            <a:off x="6248615" y="1510019"/>
+            <a:ext cx="5487598" cy="4115699"/>
           </a:xfrm>
           <a:prstGeom prst="rect">
             <a:avLst/>
           </a:prstGeom>
-          <a:noFill/>
-        </p:spPr>
-        <p:txBody>
-          <a:bodyPr wrap="square" rtlCol="0">
-            <a:spAutoFit/>
-          </a:bodyPr>
-          <a:lstStyle/>
-          <a:p>
-            <a:r>
-              <a:rPr lang="en-US" altLang="ko-KR" dirty="0"/>
-              <a:t>UML </a:t>
-            </a:r>
-            <a:r>
-              <a:rPr lang="ko-KR" altLang="en-US" dirty="0"/>
-              <a:t>홈페이지로 가면 될 듯</a:t>
-            </a:r>
-          </a:p>
-        </p:txBody>
-      </p:sp>
-      <p:sp>
-        <p:nvSpPr>
-          <p:cNvPr id="7" name="TextBox 6">
-            <a:extLst>
-              <a:ext uri="{FF2B5EF4-FFF2-40B4-BE49-F238E27FC236}">
-                <a16:creationId xmlns:a16="http://schemas.microsoft.com/office/drawing/2014/main" id="{A073DC0D-FED5-4C83-BB4C-13A123AAC8F3}"/>
-              </a:ext>
-            </a:extLst>
-          </p:cNvPr>
-          <p:cNvSpPr txBox="1"/>
+        </p:spPr>
+      </p:pic>
+      <p:pic>
+        <p:nvPicPr>
+          <p:cNvPr id="7" name="그림 6">
+            <a:extLst>
+              <a:ext uri="{FF2B5EF4-FFF2-40B4-BE49-F238E27FC236}">
+                <a16:creationId xmlns:a16="http://schemas.microsoft.com/office/drawing/2014/main" id="{6808B832-EFA2-48DF-8C0D-248D9B29B635}"/>
+              </a:ext>
+            </a:extLst>
+          </p:cNvPr>
+          <p:cNvPicPr>
+            <a:picLocks noChangeAspect="1"/>
+          </p:cNvPicPr>
           <p:nvPr/>
-        </p:nvSpPr>
-        <p:spPr>
-          <a:xfrm>
-            <a:off x="2827088" y="2690336"/>
-            <a:ext cx="7147422" cy="369332"/>
+        </p:nvPicPr>
+        <p:blipFill>
+          <a:blip r:embed="rId3">
+            <a:extLst>
+              <a:ext uri="{28A0092B-C50C-407E-A947-70E740481C1C}">
+                <a14:useLocalDpi xmlns:a14="http://schemas.microsoft.com/office/drawing/2010/main" val="0"/>
+              </a:ext>
+            </a:extLst>
+          </a:blip>
+          <a:stretch>
+            <a:fillRect/>
+          </a:stretch>
+        </p:blipFill>
+        <p:spPr>
+          <a:xfrm>
+            <a:off x="455789" y="1510019"/>
+            <a:ext cx="5487598" cy="4115698"/>
           </a:xfrm>
           <a:prstGeom prst="rect">
             <a:avLst/>
           </a:prstGeom>
-          <a:noFill/>
-        </p:spPr>
-        <p:txBody>
-          <a:bodyPr wrap="square" rtlCol="0">
-            <a:spAutoFit/>
-          </a:bodyPr>
-          <a:lstStyle/>
-          <a:p>
-            <a:r>
-              <a:rPr lang="ko-KR" altLang="en-US" dirty="0"/>
-              <a:t>이 페이지에서 설계를 바탕으로 </a:t>
-            </a:r>
-            <a:r>
-              <a:rPr lang="en-US" altLang="ko-KR" dirty="0"/>
-              <a:t>UML</a:t>
-            </a:r>
-            <a:r>
-              <a:rPr lang="ko-KR" altLang="en-US" dirty="0"/>
-              <a:t>을 만들었다고 설명하면서</a:t>
-            </a:r>
-          </a:p>
-        </p:txBody>
-      </p:sp>
+        </p:spPr>
+      </p:pic>
     </p:spTree>
     <p:extLst>
       <p:ext uri="{BB962C8B-B14F-4D97-AF65-F5344CB8AC3E}">
-        <p14:creationId xmlns:p14="http://schemas.microsoft.com/office/powerpoint/2010/main" val="2403712878"/>
+        <p14:creationId xmlns:p14="http://schemas.microsoft.com/office/powerpoint/2010/main" val="1152635000"/>
       </p:ext>
     </p:extLst>
   </p:cSld>
@@ -4709,6 +5235,374 @@
       </p:grpSpPr>
       <p:sp>
         <p:nvSpPr>
+          <p:cNvPr id="4" name="평행 사변형 3">
+            <a:extLst>
+              <a:ext uri="{FF2B5EF4-FFF2-40B4-BE49-F238E27FC236}">
+                <a16:creationId xmlns:a16="http://schemas.microsoft.com/office/drawing/2014/main" id="{E477664E-BFD5-400B-ABE3-6F5B1B2C616F}"/>
+              </a:ext>
+            </a:extLst>
+          </p:cNvPr>
+          <p:cNvSpPr/>
+          <p:nvPr/>
+        </p:nvSpPr>
+        <p:spPr>
+          <a:xfrm rot="10800000">
+            <a:off x="-830516" y="-902800"/>
+            <a:ext cx="5461238" cy="1761688"/>
+          </a:xfrm>
+          <a:prstGeom prst="parallelogram">
+            <a:avLst>
+              <a:gd name="adj" fmla="val 56428"/>
+            </a:avLst>
+          </a:prstGeom>
+        </p:spPr>
+        <p:style>
+          <a:lnRef idx="2">
+            <a:schemeClr val="dk1">
+              <a:shade val="50000"/>
+            </a:schemeClr>
+          </a:lnRef>
+          <a:fillRef idx="1">
+            <a:schemeClr val="dk1"/>
+          </a:fillRef>
+          <a:effectRef idx="0">
+            <a:schemeClr val="dk1"/>
+          </a:effectRef>
+          <a:fontRef idx="minor">
+            <a:schemeClr val="lt1"/>
+          </a:fontRef>
+        </p:style>
+        <p:txBody>
+          <a:bodyPr rtlCol="0" anchor="ctr"/>
+          <a:lstStyle/>
+          <a:p>
+            <a:pPr algn="ctr"/>
+            <a:endParaRPr lang="ko-KR" altLang="en-US"/>
+          </a:p>
+        </p:txBody>
+      </p:sp>
+      <p:sp>
+        <p:nvSpPr>
+          <p:cNvPr id="5" name="직사각형 4">
+            <a:extLst>
+              <a:ext uri="{FF2B5EF4-FFF2-40B4-BE49-F238E27FC236}">
+                <a16:creationId xmlns:a16="http://schemas.microsoft.com/office/drawing/2014/main" id="{D7F1DFB5-8066-462A-8D7D-53B48233EA83}"/>
+              </a:ext>
+            </a:extLst>
+          </p:cNvPr>
+          <p:cNvSpPr/>
+          <p:nvPr/>
+        </p:nvSpPr>
+        <p:spPr>
+          <a:xfrm>
+            <a:off x="192033" y="41945"/>
+            <a:ext cx="3007555" cy="707886"/>
+          </a:xfrm>
+          <a:prstGeom prst="rect">
+            <a:avLst/>
+          </a:prstGeom>
+        </p:spPr>
+        <p:txBody>
+          <a:bodyPr wrap="none">
+            <a:spAutoFit/>
+          </a:bodyPr>
+          <a:lstStyle/>
+          <a:p>
+            <a:r>
+              <a:rPr lang="en-US" altLang="ko-KR" sz="4000" dirty="0">
+                <a:solidFill>
+                  <a:schemeClr val="bg1"/>
+                </a:solidFill>
+                <a:latin typeface="Arial" panose="020B0604020202020204" pitchFamily="34" charset="0"/>
+                <a:cs typeface="Arial" panose="020B0604020202020204" pitchFamily="34" charset="0"/>
+              </a:rPr>
+              <a:t>What we did</a:t>
+            </a:r>
+            <a:endParaRPr lang="ko-KR" altLang="en-US" sz="4000" dirty="0">
+              <a:solidFill>
+                <a:schemeClr val="bg1"/>
+              </a:solidFill>
+              <a:latin typeface="Arial" panose="020B0604020202020204" pitchFamily="34" charset="0"/>
+              <a:cs typeface="Arial" panose="020B0604020202020204" pitchFamily="34" charset="0"/>
+            </a:endParaRPr>
+          </a:p>
+        </p:txBody>
+      </p:sp>
+      <p:pic>
+        <p:nvPicPr>
+          <p:cNvPr id="9" name="그림 8">
+            <a:extLst>
+              <a:ext uri="{FF2B5EF4-FFF2-40B4-BE49-F238E27FC236}">
+                <a16:creationId xmlns:a16="http://schemas.microsoft.com/office/drawing/2014/main" id="{A0625CAD-495E-4F2C-AD7D-BE600355893F}"/>
+              </a:ext>
+            </a:extLst>
+          </p:cNvPr>
+          <p:cNvPicPr>
+            <a:picLocks noChangeAspect="1"/>
+          </p:cNvPicPr>
+          <p:nvPr/>
+        </p:nvPicPr>
+        <p:blipFill>
+          <a:blip r:embed="rId2">
+            <a:extLst>
+              <a:ext uri="{28A0092B-C50C-407E-A947-70E740481C1C}">
+                <a14:useLocalDpi xmlns:a14="http://schemas.microsoft.com/office/drawing/2010/main" val="0"/>
+              </a:ext>
+            </a:extLst>
+          </a:blip>
+          <a:stretch>
+            <a:fillRect/>
+          </a:stretch>
+        </p:blipFill>
+        <p:spPr>
+          <a:xfrm>
+            <a:off x="3081554" y="1314972"/>
+            <a:ext cx="5637406" cy="4228055"/>
+          </a:xfrm>
+          <a:prstGeom prst="rect">
+            <a:avLst/>
+          </a:prstGeom>
+        </p:spPr>
+      </p:pic>
+    </p:spTree>
+    <p:extLst>
+      <p:ext uri="{BB962C8B-B14F-4D97-AF65-F5344CB8AC3E}">
+        <p14:creationId xmlns:p14="http://schemas.microsoft.com/office/powerpoint/2010/main" val="263147027"/>
+      </p:ext>
+    </p:extLst>
+  </p:cSld>
+  <p:clrMapOvr>
+    <a:masterClrMapping/>
+  </p:clrMapOvr>
+</p:sld>
+</file>
+
+<file path=ppt/slides/slide13.xml><?xml version="1.0" encoding="utf-8"?>
+<p:sld xmlns:a="http://schemas.openxmlformats.org/drawingml/2006/main" xmlns:r="http://schemas.openxmlformats.org/officeDocument/2006/relationships" xmlns:p="http://schemas.openxmlformats.org/presentationml/2006/main">
+  <p:cSld>
+    <p:spTree>
+      <p:nvGrpSpPr>
+        <p:cNvPr id="1" name=""/>
+        <p:cNvGrpSpPr/>
+        <p:nvPr/>
+      </p:nvGrpSpPr>
+      <p:grpSpPr>
+        <a:xfrm>
+          <a:off x="0" y="0"/>
+          <a:ext cx="0" cy="0"/>
+          <a:chOff x="0" y="0"/>
+          <a:chExt cx="0" cy="0"/>
+        </a:xfrm>
+      </p:grpSpPr>
+      <p:sp>
+        <p:nvSpPr>
+          <p:cNvPr id="4" name="평행 사변형 3">
+            <a:extLst>
+              <a:ext uri="{FF2B5EF4-FFF2-40B4-BE49-F238E27FC236}">
+                <a16:creationId xmlns:a16="http://schemas.microsoft.com/office/drawing/2014/main" id="{80EBA111-2F32-4EB2-BE53-64AC66DB59BE}"/>
+              </a:ext>
+            </a:extLst>
+          </p:cNvPr>
+          <p:cNvSpPr/>
+          <p:nvPr/>
+        </p:nvSpPr>
+        <p:spPr>
+          <a:xfrm rot="10800000">
+            <a:off x="-830516" y="-902800"/>
+            <a:ext cx="5461238" cy="1761688"/>
+          </a:xfrm>
+          <a:prstGeom prst="parallelogram">
+            <a:avLst>
+              <a:gd name="adj" fmla="val 56428"/>
+            </a:avLst>
+          </a:prstGeom>
+        </p:spPr>
+        <p:style>
+          <a:lnRef idx="2">
+            <a:schemeClr val="dk1">
+              <a:shade val="50000"/>
+            </a:schemeClr>
+          </a:lnRef>
+          <a:fillRef idx="1">
+            <a:schemeClr val="dk1"/>
+          </a:fillRef>
+          <a:effectRef idx="0">
+            <a:schemeClr val="dk1"/>
+          </a:effectRef>
+          <a:fontRef idx="minor">
+            <a:schemeClr val="lt1"/>
+          </a:fontRef>
+        </p:style>
+        <p:txBody>
+          <a:bodyPr rtlCol="0" anchor="ctr"/>
+          <a:lstStyle/>
+          <a:p>
+            <a:pPr algn="ctr"/>
+            <a:endParaRPr lang="ko-KR" altLang="en-US"/>
+          </a:p>
+        </p:txBody>
+      </p:sp>
+      <p:sp>
+        <p:nvSpPr>
+          <p:cNvPr id="5" name="직사각형 4">
+            <a:extLst>
+              <a:ext uri="{FF2B5EF4-FFF2-40B4-BE49-F238E27FC236}">
+                <a16:creationId xmlns:a16="http://schemas.microsoft.com/office/drawing/2014/main" id="{EA18EE7B-24DC-4134-B2E3-E0848EFCE7D3}"/>
+              </a:ext>
+            </a:extLst>
+          </p:cNvPr>
+          <p:cNvSpPr/>
+          <p:nvPr/>
+        </p:nvSpPr>
+        <p:spPr>
+          <a:xfrm>
+            <a:off x="192033" y="41945"/>
+            <a:ext cx="3007555" cy="707886"/>
+          </a:xfrm>
+          <a:prstGeom prst="rect">
+            <a:avLst/>
+          </a:prstGeom>
+        </p:spPr>
+        <p:txBody>
+          <a:bodyPr wrap="none">
+            <a:spAutoFit/>
+          </a:bodyPr>
+          <a:lstStyle/>
+          <a:p>
+            <a:r>
+              <a:rPr lang="en-US" altLang="ko-KR" sz="4000" dirty="0">
+                <a:solidFill>
+                  <a:schemeClr val="bg1"/>
+                </a:solidFill>
+                <a:latin typeface="Arial" panose="020B0604020202020204" pitchFamily="34" charset="0"/>
+                <a:cs typeface="Arial" panose="020B0604020202020204" pitchFamily="34" charset="0"/>
+              </a:rPr>
+              <a:t>What we did</a:t>
+            </a:r>
+            <a:endParaRPr lang="ko-KR" altLang="en-US" sz="4000" dirty="0">
+              <a:solidFill>
+                <a:schemeClr val="bg1"/>
+              </a:solidFill>
+              <a:latin typeface="Arial" panose="020B0604020202020204" pitchFamily="34" charset="0"/>
+              <a:cs typeface="Arial" panose="020B0604020202020204" pitchFamily="34" charset="0"/>
+            </a:endParaRPr>
+          </a:p>
+        </p:txBody>
+      </p:sp>
+      <p:sp>
+        <p:nvSpPr>
+          <p:cNvPr id="6" name="TextBox 5">
+            <a:extLst>
+              <a:ext uri="{FF2B5EF4-FFF2-40B4-BE49-F238E27FC236}">
+                <a16:creationId xmlns:a16="http://schemas.microsoft.com/office/drawing/2014/main" id="{588F0498-F8AE-4AB3-A681-90C754107EC4}"/>
+              </a:ext>
+            </a:extLst>
+          </p:cNvPr>
+          <p:cNvSpPr txBox="1"/>
+          <p:nvPr/>
+        </p:nvSpPr>
+        <p:spPr>
+          <a:xfrm>
+            <a:off x="2827089" y="3059668"/>
+            <a:ext cx="3212983" cy="369332"/>
+          </a:xfrm>
+          <a:prstGeom prst="rect">
+            <a:avLst/>
+          </a:prstGeom>
+          <a:noFill/>
+        </p:spPr>
+        <p:txBody>
+          <a:bodyPr wrap="square" rtlCol="0">
+            <a:spAutoFit/>
+          </a:bodyPr>
+          <a:lstStyle/>
+          <a:p>
+            <a:r>
+              <a:rPr lang="en-US" altLang="ko-KR" dirty="0"/>
+              <a:t>UML </a:t>
+            </a:r>
+            <a:r>
+              <a:rPr lang="ko-KR" altLang="en-US" dirty="0"/>
+              <a:t>홈페이지로 가면 될 듯</a:t>
+            </a:r>
+          </a:p>
+        </p:txBody>
+      </p:sp>
+      <p:sp>
+        <p:nvSpPr>
+          <p:cNvPr id="7" name="TextBox 6">
+            <a:extLst>
+              <a:ext uri="{FF2B5EF4-FFF2-40B4-BE49-F238E27FC236}">
+                <a16:creationId xmlns:a16="http://schemas.microsoft.com/office/drawing/2014/main" id="{A073DC0D-FED5-4C83-BB4C-13A123AAC8F3}"/>
+              </a:ext>
+            </a:extLst>
+          </p:cNvPr>
+          <p:cNvSpPr txBox="1"/>
+          <p:nvPr/>
+        </p:nvSpPr>
+        <p:spPr>
+          <a:xfrm>
+            <a:off x="2827088" y="2690336"/>
+            <a:ext cx="7147422" cy="369332"/>
+          </a:xfrm>
+          <a:prstGeom prst="rect">
+            <a:avLst/>
+          </a:prstGeom>
+          <a:noFill/>
+        </p:spPr>
+        <p:txBody>
+          <a:bodyPr wrap="square" rtlCol="0">
+            <a:spAutoFit/>
+          </a:bodyPr>
+          <a:lstStyle/>
+          <a:p>
+            <a:r>
+              <a:rPr lang="ko-KR" altLang="en-US" dirty="0"/>
+              <a:t>이 페이지에서 설계를 바탕으로 </a:t>
+            </a:r>
+            <a:r>
+              <a:rPr lang="en-US" altLang="ko-KR" dirty="0"/>
+              <a:t>UML</a:t>
+            </a:r>
+            <a:r>
+              <a:rPr lang="ko-KR" altLang="en-US" dirty="0"/>
+              <a:t>을 만들었다고 설명하면서</a:t>
+            </a:r>
+          </a:p>
+        </p:txBody>
+      </p:sp>
+    </p:spTree>
+    <p:extLst>
+      <p:ext uri="{BB962C8B-B14F-4D97-AF65-F5344CB8AC3E}">
+        <p14:creationId xmlns:p14="http://schemas.microsoft.com/office/powerpoint/2010/main" val="2403712878"/>
+      </p:ext>
+    </p:extLst>
+  </p:cSld>
+  <p:clrMapOvr>
+    <a:masterClrMapping/>
+  </p:clrMapOvr>
+</p:sld>
+</file>
+
+<file path=ppt/slides/slide14.xml><?xml version="1.0" encoding="utf-8"?>
+<p:sld xmlns:a="http://schemas.openxmlformats.org/drawingml/2006/main" xmlns:r="http://schemas.openxmlformats.org/officeDocument/2006/relationships" xmlns:p="http://schemas.openxmlformats.org/presentationml/2006/main">
+  <p:cSld>
+    <p:spTree>
+      <p:nvGrpSpPr>
+        <p:cNvPr id="1" name=""/>
+        <p:cNvGrpSpPr/>
+        <p:nvPr/>
+      </p:nvGrpSpPr>
+      <p:grpSpPr>
+        <a:xfrm>
+          <a:off x="0" y="0"/>
+          <a:ext cx="0" cy="0"/>
+          <a:chOff x="0" y="0"/>
+          <a:chExt cx="0" cy="0"/>
+        </a:xfrm>
+      </p:grpSpPr>
+      <p:sp>
+        <p:nvSpPr>
           <p:cNvPr id="8" name="직사각형 7">
             <a:extLst>
               <a:ext uri="{FF2B5EF4-FFF2-40B4-BE49-F238E27FC236}">
@@ -5842,7 +6736,7 @@
 </p:sld>
 </file>
 
-<file path=ppt/slides/slide13.xml><?xml version="1.0" encoding="utf-8"?>
+<file path=ppt/slides/slide15.xml><?xml version="1.0" encoding="utf-8"?>
 <p:sld xmlns:a="http://schemas.openxmlformats.org/drawingml/2006/main" xmlns:r="http://schemas.openxmlformats.org/officeDocument/2006/relationships" xmlns:p="http://schemas.openxmlformats.org/presentationml/2006/main">
   <p:cSld>
     <p:spTree>
@@ -9338,7 +10232,7 @@
         </p:nvSpPr>
         <p:spPr>
           <a:xfrm>
-            <a:off x="2311775" y="121974"/>
+            <a:off x="2134643" y="106581"/>
             <a:ext cx="1250663" cy="707886"/>
           </a:xfrm>
           <a:prstGeom prst="rect">
@@ -9476,6 +10370,49 @@
               <a:t>Will you type everything in console?</a:t>
             </a:r>
             <a:endParaRPr lang="ko-KR" altLang="en-US" dirty="0"/>
+          </a:p>
+        </p:txBody>
+      </p:sp>
+      <p:sp>
+        <p:nvSpPr>
+          <p:cNvPr id="2" name="TextBox 1">
+            <a:extLst>
+              <a:ext uri="{FF2B5EF4-FFF2-40B4-BE49-F238E27FC236}">
+                <a16:creationId xmlns:a16="http://schemas.microsoft.com/office/drawing/2014/main" id="{48D905D3-A822-4D44-AD20-24B0C5D7B185}"/>
+              </a:ext>
+            </a:extLst>
+          </p:cNvPr>
+          <p:cNvSpPr txBox="1"/>
+          <p:nvPr/>
+        </p:nvSpPr>
+        <p:spPr>
+          <a:xfrm>
+            <a:off x="3528204" y="3223214"/>
+            <a:ext cx="6064370" cy="369332"/>
+          </a:xfrm>
+          <a:prstGeom prst="rect">
+            <a:avLst/>
+          </a:prstGeom>
+          <a:noFill/>
+        </p:spPr>
+        <p:txBody>
+          <a:bodyPr wrap="square" rtlCol="0">
+            <a:spAutoFit/>
+          </a:bodyPr>
+          <a:lstStyle/>
+          <a:p>
+            <a:r>
+              <a:rPr lang="ko-KR" altLang="en-US" dirty="0"/>
+              <a:t>콘솔 창의 한계 </a:t>
+            </a:r>
+            <a:r>
+              <a:rPr lang="en-US" altLang="ko-KR" dirty="0"/>
+              <a:t>-&gt; </a:t>
+            </a:r>
+            <a:r>
+              <a:rPr lang="ko-KR" altLang="en-US" dirty="0"/>
+              <a:t>파일의 형식에 집중</a:t>
+            </a:r>
           </a:p>
         </p:txBody>
       </p:sp>
@@ -9511,49 +10448,211 @@
       </p:grpSpPr>
       <p:sp>
         <p:nvSpPr>
-          <p:cNvPr id="2" name="제목 1">
-            <a:extLst>
-              <a:ext uri="{FF2B5EF4-FFF2-40B4-BE49-F238E27FC236}">
-                <a16:creationId xmlns:a16="http://schemas.microsoft.com/office/drawing/2014/main" id="{B10B5A15-F5E5-427F-9C92-F3D395FEF86C}"/>
-              </a:ext>
-            </a:extLst>
-          </p:cNvPr>
-          <p:cNvSpPr>
-            <a:spLocks noGrp="1"/>
-          </p:cNvSpPr>
-          <p:nvPr>
-            <p:ph type="title"/>
-          </p:nvPr>
-        </p:nvSpPr>
-        <p:spPr>
-          <a:xfrm>
-            <a:off x="838200" y="2766218"/>
-            <a:ext cx="10515600" cy="1325563"/>
-          </a:xfrm>
-        </p:spPr>
-        <p:txBody>
-          <a:bodyPr/>
+          <p:cNvPr id="4" name="평행 사변형 3">
+            <a:extLst>
+              <a:ext uri="{FF2B5EF4-FFF2-40B4-BE49-F238E27FC236}">
+                <a16:creationId xmlns:a16="http://schemas.microsoft.com/office/drawing/2014/main" id="{1AB2FF30-69B4-4135-8FA8-828A1CD18217}"/>
+              </a:ext>
+            </a:extLst>
+          </p:cNvPr>
+          <p:cNvSpPr/>
+          <p:nvPr/>
+        </p:nvSpPr>
+        <p:spPr>
+          <a:xfrm rot="10800000">
+            <a:off x="-830514" y="-902800"/>
+            <a:ext cx="7180979" cy="1761688"/>
+          </a:xfrm>
+          <a:prstGeom prst="parallelogram">
+            <a:avLst>
+              <a:gd name="adj" fmla="val 56428"/>
+            </a:avLst>
+          </a:prstGeom>
+        </p:spPr>
+        <p:style>
+          <a:lnRef idx="2">
+            <a:schemeClr val="dk1">
+              <a:shade val="50000"/>
+            </a:schemeClr>
+          </a:lnRef>
+          <a:fillRef idx="1">
+            <a:schemeClr val="dk1"/>
+          </a:fillRef>
+          <a:effectRef idx="0">
+            <a:schemeClr val="dk1"/>
+          </a:effectRef>
+          <a:fontRef idx="minor">
+            <a:schemeClr val="lt1"/>
+          </a:fontRef>
+        </p:style>
+        <p:txBody>
+          <a:bodyPr rtlCol="0" anchor="ctr"/>
           <a:lstStyle/>
           <a:p>
             <a:pPr algn="ctr"/>
-            <a:r>
-              <a:rPr lang="en-US" altLang="ko-KR" dirty="0">
+            <a:endParaRPr lang="ko-KR" altLang="en-US"/>
+          </a:p>
+        </p:txBody>
+      </p:sp>
+      <p:sp>
+        <p:nvSpPr>
+          <p:cNvPr id="5" name="직사각형 4">
+            <a:extLst>
+              <a:ext uri="{FF2B5EF4-FFF2-40B4-BE49-F238E27FC236}">
+                <a16:creationId xmlns:a16="http://schemas.microsoft.com/office/drawing/2014/main" id="{5F3B3FAB-4520-4272-9A6B-C3003541D3C9}"/>
+              </a:ext>
+            </a:extLst>
+          </p:cNvPr>
+          <p:cNvSpPr/>
+          <p:nvPr/>
+        </p:nvSpPr>
+        <p:spPr>
+          <a:xfrm>
+            <a:off x="1969534" y="124782"/>
+            <a:ext cx="1580882" cy="707886"/>
+          </a:xfrm>
+          <a:prstGeom prst="rect">
+            <a:avLst/>
+          </a:prstGeom>
+        </p:spPr>
+        <p:txBody>
+          <a:bodyPr wrap="none">
+            <a:spAutoFit/>
+          </a:bodyPr>
+          <a:lstStyle/>
+          <a:p>
+            <a:r>
+              <a:rPr lang="en-US" altLang="ko-KR" sz="4000" dirty="0">
+                <a:solidFill>
+                  <a:schemeClr val="bg1"/>
+                </a:solidFill>
                 <a:latin typeface="Arial" panose="020B0604020202020204" pitchFamily="34" charset="0"/>
                 <a:cs typeface="Arial" panose="020B0604020202020204" pitchFamily="34" charset="0"/>
               </a:rPr>
-              <a:t>Process of IIKH Project</a:t>
-            </a:r>
-            <a:endParaRPr lang="ko-KR" altLang="en-US" dirty="0">
+              <a:t>“CSV”</a:t>
+            </a:r>
+            <a:endParaRPr lang="ko-KR" altLang="en-US" sz="4000" dirty="0">
+              <a:solidFill>
+                <a:schemeClr val="bg1"/>
+              </a:solidFill>
               <a:latin typeface="Arial" panose="020B0604020202020204" pitchFamily="34" charset="0"/>
               <a:cs typeface="Arial" panose="020B0604020202020204" pitchFamily="34" charset="0"/>
             </a:endParaRPr>
           </a:p>
         </p:txBody>
       </p:sp>
+      <p:sp>
+        <p:nvSpPr>
+          <p:cNvPr id="6" name="TextBox 5">
+            <a:extLst>
+              <a:ext uri="{FF2B5EF4-FFF2-40B4-BE49-F238E27FC236}">
+                <a16:creationId xmlns:a16="http://schemas.microsoft.com/office/drawing/2014/main" id="{CF1F2A26-97C8-4491-8DC5-DBBE4FD94F47}"/>
+              </a:ext>
+            </a:extLst>
+          </p:cNvPr>
+          <p:cNvSpPr txBox="1"/>
+          <p:nvPr/>
+        </p:nvSpPr>
+        <p:spPr>
+          <a:xfrm>
+            <a:off x="1465944" y="1219200"/>
+            <a:ext cx="4441370" cy="369332"/>
+          </a:xfrm>
+          <a:prstGeom prst="rect">
+            <a:avLst/>
+          </a:prstGeom>
+          <a:noFill/>
+        </p:spPr>
+        <p:txBody>
+          <a:bodyPr wrap="square" rtlCol="0">
+            <a:spAutoFit/>
+          </a:bodyPr>
+          <a:lstStyle/>
+          <a:p>
+            <a:r>
+              <a:rPr lang="en-US" altLang="ko-KR" dirty="0"/>
+              <a:t>How to add recipes from internet.</a:t>
+            </a:r>
+            <a:endParaRPr lang="ko-KR" altLang="en-US" dirty="0"/>
+          </a:p>
+        </p:txBody>
+      </p:sp>
+      <p:sp>
+        <p:nvSpPr>
+          <p:cNvPr id="9" name="TextBox 8">
+            <a:extLst>
+              <a:ext uri="{FF2B5EF4-FFF2-40B4-BE49-F238E27FC236}">
+                <a16:creationId xmlns:a16="http://schemas.microsoft.com/office/drawing/2014/main" id="{8DF11F32-33B0-4C94-A686-720799DCC1E4}"/>
+              </a:ext>
+            </a:extLst>
+          </p:cNvPr>
+          <p:cNvSpPr txBox="1"/>
+          <p:nvPr/>
+        </p:nvSpPr>
+        <p:spPr>
+          <a:xfrm>
+            <a:off x="1465944" y="2373086"/>
+            <a:ext cx="4441370" cy="369332"/>
+          </a:xfrm>
+          <a:prstGeom prst="rect">
+            <a:avLst/>
+          </a:prstGeom>
+          <a:noFill/>
+        </p:spPr>
+        <p:txBody>
+          <a:bodyPr wrap="square" rtlCol="0">
+            <a:spAutoFit/>
+          </a:bodyPr>
+          <a:lstStyle/>
+          <a:p>
+            <a:r>
+              <a:rPr lang="en-US" altLang="ko-KR" dirty="0"/>
+              <a:t>How to share my recipe.</a:t>
+            </a:r>
+            <a:endParaRPr lang="ko-KR" altLang="en-US" dirty="0"/>
+          </a:p>
+        </p:txBody>
+      </p:sp>
+      <p:sp>
+        <p:nvSpPr>
+          <p:cNvPr id="10" name="TextBox 9">
+            <a:extLst>
+              <a:ext uri="{FF2B5EF4-FFF2-40B4-BE49-F238E27FC236}">
+                <a16:creationId xmlns:a16="http://schemas.microsoft.com/office/drawing/2014/main" id="{C352FCE8-352C-4AC3-AB10-407902D8A8AF}"/>
+              </a:ext>
+            </a:extLst>
+          </p:cNvPr>
+          <p:cNvSpPr txBox="1"/>
+          <p:nvPr/>
+        </p:nvSpPr>
+        <p:spPr>
+          <a:xfrm>
+            <a:off x="1843318" y="1514332"/>
+            <a:ext cx="4441370" cy="369332"/>
+          </a:xfrm>
+          <a:prstGeom prst="rect">
+            <a:avLst/>
+          </a:prstGeom>
+          <a:noFill/>
+        </p:spPr>
+        <p:txBody>
+          <a:bodyPr wrap="square" rtlCol="0">
+            <a:spAutoFit/>
+          </a:bodyPr>
+          <a:lstStyle/>
+          <a:p>
+            <a:r>
+              <a:rPr lang="en-US" altLang="ko-KR" dirty="0"/>
+              <a:t>Will you type everything in console?</a:t>
+            </a:r>
+            <a:endParaRPr lang="ko-KR" altLang="en-US" dirty="0"/>
+          </a:p>
+        </p:txBody>
+      </p:sp>
     </p:spTree>
     <p:extLst>
       <p:ext uri="{BB962C8B-B14F-4D97-AF65-F5344CB8AC3E}">
-        <p14:creationId xmlns:p14="http://schemas.microsoft.com/office/powerpoint/2010/main" val="3435617134"/>
+        <p14:creationId xmlns:p14="http://schemas.microsoft.com/office/powerpoint/2010/main" val="1433425291"/>
       </p:ext>
     </p:extLst>
   </p:cSld>
@@ -9582,56 +10681,10 @@
       </p:grpSpPr>
       <p:sp>
         <p:nvSpPr>
-          <p:cNvPr id="5" name="순서도: 처리 4">
-            <a:extLst>
-              <a:ext uri="{FF2B5EF4-FFF2-40B4-BE49-F238E27FC236}">
-                <a16:creationId xmlns:a16="http://schemas.microsoft.com/office/drawing/2014/main" id="{13D64261-93A9-47F8-A6C6-D936ECEB76AB}"/>
-              </a:ext>
-            </a:extLst>
-          </p:cNvPr>
-          <p:cNvSpPr/>
-          <p:nvPr/>
-        </p:nvSpPr>
-        <p:spPr>
-          <a:xfrm>
-            <a:off x="6769531" y="1759073"/>
-            <a:ext cx="5020574" cy="86263"/>
-          </a:xfrm>
-          <a:prstGeom prst="flowChartProcess">
-            <a:avLst/>
-          </a:prstGeom>
-        </p:spPr>
-        <p:style>
-          <a:lnRef idx="2">
-            <a:schemeClr val="dk1">
-              <a:shade val="50000"/>
-            </a:schemeClr>
-          </a:lnRef>
-          <a:fillRef idx="1">
-            <a:schemeClr val="dk1"/>
-          </a:fillRef>
-          <a:effectRef idx="0">
-            <a:schemeClr val="dk1"/>
-          </a:effectRef>
-          <a:fontRef idx="minor">
-            <a:schemeClr val="lt1"/>
-          </a:fontRef>
-        </p:style>
-        <p:txBody>
-          <a:bodyPr rtlCol="0" anchor="ctr"/>
-          <a:lstStyle/>
-          <a:p>
-            <a:pPr algn="ctr"/>
-            <a:endParaRPr lang="ko-KR" altLang="en-US" dirty="0"/>
-          </a:p>
-        </p:txBody>
-      </p:sp>
-      <p:sp>
-        <p:nvSpPr>
-          <p:cNvPr id="6" name="제목 1">
-            <a:extLst>
-              <a:ext uri="{FF2B5EF4-FFF2-40B4-BE49-F238E27FC236}">
-                <a16:creationId xmlns:a16="http://schemas.microsoft.com/office/drawing/2014/main" id="{3473AA1E-C84B-41EE-9AD5-0C4466E5C22B}"/>
+          <p:cNvPr id="2" name="제목 1">
+            <a:extLst>
+              <a:ext uri="{FF2B5EF4-FFF2-40B4-BE49-F238E27FC236}">
+                <a16:creationId xmlns:a16="http://schemas.microsoft.com/office/drawing/2014/main" id="{B10B5A15-F5E5-427F-9C92-F3D395FEF86C}"/>
               </a:ext>
             </a:extLst>
           </p:cNvPr>
@@ -9644,14 +10697,12 @@
         </p:nvSpPr>
         <p:spPr>
           <a:xfrm>
-            <a:off x="6367636" y="806574"/>
-            <a:ext cx="5824364" cy="1104900"/>
-          </a:xfrm>
-        </p:spPr>
-        <p:txBody>
-          <a:bodyPr>
-            <a:normAutofit/>
-          </a:bodyPr>
+            <a:off x="838200" y="2766218"/>
+            <a:ext cx="10515600" cy="1325563"/>
+          </a:xfrm>
+        </p:spPr>
+        <p:txBody>
+          <a:bodyPr/>
           <a:lstStyle/>
           <a:p>
             <a:pPr algn="ctr"/>
@@ -9660,7 +10711,7 @@
                 <a:latin typeface="Arial" panose="020B0604020202020204" pitchFamily="34" charset="0"/>
                 <a:cs typeface="Arial" panose="020B0604020202020204" pitchFamily="34" charset="0"/>
               </a:rPr>
-              <a:t>What we needed</a:t>
+              <a:t>Process of IIKH Project</a:t>
             </a:r>
             <a:endParaRPr lang="ko-KR" altLang="en-US" dirty="0">
               <a:latin typeface="Arial" panose="020B0604020202020204" pitchFamily="34" charset="0"/>
@@ -9669,506 +10720,10 @@
           </a:p>
         </p:txBody>
       </p:sp>
-      <p:sp>
-        <p:nvSpPr>
-          <p:cNvPr id="7" name="직사각형 6">
-            <a:extLst>
-              <a:ext uri="{FF2B5EF4-FFF2-40B4-BE49-F238E27FC236}">
-                <a16:creationId xmlns:a16="http://schemas.microsoft.com/office/drawing/2014/main" id="{CC55C8BE-63E9-4C6C-A0C3-5A5E396C5D1A}"/>
-              </a:ext>
-            </a:extLst>
-          </p:cNvPr>
-          <p:cNvSpPr/>
-          <p:nvPr/>
-        </p:nvSpPr>
-        <p:spPr>
-          <a:xfrm>
-            <a:off x="2374040" y="1341412"/>
-            <a:ext cx="2570672" cy="1708030"/>
-          </a:xfrm>
-          <a:prstGeom prst="rect">
-            <a:avLst/>
-          </a:prstGeom>
-        </p:spPr>
-        <p:style>
-          <a:lnRef idx="2">
-            <a:schemeClr val="dk1"/>
-          </a:lnRef>
-          <a:fillRef idx="1">
-            <a:schemeClr val="lt1"/>
-          </a:fillRef>
-          <a:effectRef idx="0">
-            <a:schemeClr val="dk1"/>
-          </a:effectRef>
-          <a:fontRef idx="minor">
-            <a:schemeClr val="dk1"/>
-          </a:fontRef>
-        </p:style>
-        <p:txBody>
-          <a:bodyPr rtlCol="0" anchor="ctr"/>
-          <a:lstStyle/>
-          <a:p>
-            <a:pPr algn="ctr"/>
-            <a:r>
-              <a:rPr lang="en-US" altLang="ko-KR" dirty="0"/>
-              <a:t>Includes interface</a:t>
-            </a:r>
-          </a:p>
-        </p:txBody>
-      </p:sp>
-      <p:sp>
-        <p:nvSpPr>
-          <p:cNvPr id="8" name="직사각형 7">
-            <a:extLst>
-              <a:ext uri="{FF2B5EF4-FFF2-40B4-BE49-F238E27FC236}">
-                <a16:creationId xmlns:a16="http://schemas.microsoft.com/office/drawing/2014/main" id="{4867F0B9-22A1-48BB-97D5-ECDD5013E763}"/>
-              </a:ext>
-            </a:extLst>
-          </p:cNvPr>
-          <p:cNvSpPr/>
-          <p:nvPr/>
-        </p:nvSpPr>
-        <p:spPr>
-          <a:xfrm>
-            <a:off x="2374040" y="806574"/>
-            <a:ext cx="2570672" cy="534838"/>
-          </a:xfrm>
-          <a:prstGeom prst="rect">
-            <a:avLst/>
-          </a:prstGeom>
-        </p:spPr>
-        <p:style>
-          <a:lnRef idx="2">
-            <a:schemeClr val="dk1">
-              <a:shade val="50000"/>
-            </a:schemeClr>
-          </a:lnRef>
-          <a:fillRef idx="1">
-            <a:schemeClr val="dk1"/>
-          </a:fillRef>
-          <a:effectRef idx="0">
-            <a:schemeClr val="dk1"/>
-          </a:effectRef>
-          <a:fontRef idx="minor">
-            <a:schemeClr val="lt1"/>
-          </a:fontRef>
-        </p:style>
-        <p:txBody>
-          <a:bodyPr rtlCol="0" anchor="ctr"/>
-          <a:lstStyle/>
-          <a:p>
-            <a:pPr algn="ctr"/>
-            <a:r>
-              <a:rPr lang="en-US" altLang="ko-KR" dirty="0">
-                <a:latin typeface="Arial" panose="020B0604020202020204" pitchFamily="34" charset="0"/>
-                <a:cs typeface="Arial" panose="020B0604020202020204" pitchFamily="34" charset="0"/>
-              </a:rPr>
-              <a:t>Greeter</a:t>
-            </a:r>
-            <a:endParaRPr lang="ko-KR" altLang="en-US" dirty="0">
-              <a:latin typeface="Arial" panose="020B0604020202020204" pitchFamily="34" charset="0"/>
-              <a:cs typeface="Arial" panose="020B0604020202020204" pitchFamily="34" charset="0"/>
-            </a:endParaRPr>
-          </a:p>
-        </p:txBody>
-      </p:sp>
-      <p:sp>
-        <p:nvSpPr>
-          <p:cNvPr id="9" name="직사각형 8">
-            <a:extLst>
-              <a:ext uri="{FF2B5EF4-FFF2-40B4-BE49-F238E27FC236}">
-                <a16:creationId xmlns:a16="http://schemas.microsoft.com/office/drawing/2014/main" id="{96344A15-2F2C-4A1A-952A-8E59BCC64105}"/>
-              </a:ext>
-            </a:extLst>
-          </p:cNvPr>
-          <p:cNvSpPr/>
-          <p:nvPr/>
-        </p:nvSpPr>
-        <p:spPr>
-          <a:xfrm>
-            <a:off x="620002" y="3966722"/>
-            <a:ext cx="2570672" cy="1708030"/>
-          </a:xfrm>
-          <a:prstGeom prst="rect">
-            <a:avLst/>
-          </a:prstGeom>
-        </p:spPr>
-        <p:style>
-          <a:lnRef idx="2">
-            <a:schemeClr val="dk1"/>
-          </a:lnRef>
-          <a:fillRef idx="1">
-            <a:schemeClr val="lt1"/>
-          </a:fillRef>
-          <a:effectRef idx="0">
-            <a:schemeClr val="dk1"/>
-          </a:effectRef>
-          <a:fontRef idx="minor">
-            <a:schemeClr val="dk1"/>
-          </a:fontRef>
-        </p:style>
-        <p:txBody>
-          <a:bodyPr rtlCol="0" anchor="ctr"/>
-          <a:lstStyle/>
-          <a:p>
-            <a:pPr algn="ctr"/>
-            <a:r>
-              <a:rPr lang="en-US" altLang="ko-KR" dirty="0"/>
-              <a:t>Can read and write</a:t>
-            </a:r>
-          </a:p>
-          <a:p>
-            <a:pPr algn="ctr"/>
-            <a:r>
-              <a:rPr lang="en-US" altLang="ko-KR" dirty="0"/>
-              <a:t>csv files</a:t>
-            </a:r>
-          </a:p>
-        </p:txBody>
-      </p:sp>
-      <p:sp>
-        <p:nvSpPr>
-          <p:cNvPr id="10" name="직사각형 9">
-            <a:extLst>
-              <a:ext uri="{FF2B5EF4-FFF2-40B4-BE49-F238E27FC236}">
-                <a16:creationId xmlns:a16="http://schemas.microsoft.com/office/drawing/2014/main" id="{D3AA327D-2493-4F76-9845-41D481BE0E4A}"/>
-              </a:ext>
-            </a:extLst>
-          </p:cNvPr>
-          <p:cNvSpPr/>
-          <p:nvPr/>
-        </p:nvSpPr>
-        <p:spPr>
-          <a:xfrm>
-            <a:off x="620002" y="3431884"/>
-            <a:ext cx="2570672" cy="534838"/>
-          </a:xfrm>
-          <a:prstGeom prst="rect">
-            <a:avLst/>
-          </a:prstGeom>
-        </p:spPr>
-        <p:style>
-          <a:lnRef idx="2">
-            <a:schemeClr val="dk1">
-              <a:shade val="50000"/>
-            </a:schemeClr>
-          </a:lnRef>
-          <a:fillRef idx="1">
-            <a:schemeClr val="dk1"/>
-          </a:fillRef>
-          <a:effectRef idx="0">
-            <a:schemeClr val="dk1"/>
-          </a:effectRef>
-          <a:fontRef idx="minor">
-            <a:schemeClr val="lt1"/>
-          </a:fontRef>
-        </p:style>
-        <p:txBody>
-          <a:bodyPr rtlCol="0" anchor="ctr"/>
-          <a:lstStyle/>
-          <a:p>
-            <a:pPr algn="ctr"/>
-            <a:r>
-              <a:rPr lang="en-US" altLang="ko-KR" dirty="0">
-                <a:latin typeface="Arial" panose="020B0604020202020204" pitchFamily="34" charset="0"/>
-                <a:cs typeface="Arial" panose="020B0604020202020204" pitchFamily="34" charset="0"/>
-              </a:rPr>
-              <a:t>CSV Parser</a:t>
-            </a:r>
-            <a:endParaRPr lang="ko-KR" altLang="en-US" dirty="0">
-              <a:latin typeface="Arial" panose="020B0604020202020204" pitchFamily="34" charset="0"/>
-              <a:cs typeface="Arial" panose="020B0604020202020204" pitchFamily="34" charset="0"/>
-            </a:endParaRPr>
-          </a:p>
-        </p:txBody>
-      </p:sp>
-      <p:sp>
-        <p:nvSpPr>
-          <p:cNvPr id="11" name="직사각형 10">
-            <a:extLst>
-              <a:ext uri="{FF2B5EF4-FFF2-40B4-BE49-F238E27FC236}">
-                <a16:creationId xmlns:a16="http://schemas.microsoft.com/office/drawing/2014/main" id="{944579FF-BEC7-4FE1-A888-690ABAC492BE}"/>
-              </a:ext>
-            </a:extLst>
-          </p:cNvPr>
-          <p:cNvSpPr/>
-          <p:nvPr/>
-        </p:nvSpPr>
-        <p:spPr>
-          <a:xfrm>
-            <a:off x="4153957" y="3966722"/>
-            <a:ext cx="2570672" cy="1708030"/>
-          </a:xfrm>
-          <a:prstGeom prst="rect">
-            <a:avLst/>
-          </a:prstGeom>
-        </p:spPr>
-        <p:style>
-          <a:lnRef idx="2">
-            <a:schemeClr val="dk1"/>
-          </a:lnRef>
-          <a:fillRef idx="1">
-            <a:schemeClr val="lt1"/>
-          </a:fillRef>
-          <a:effectRef idx="0">
-            <a:schemeClr val="dk1"/>
-          </a:effectRef>
-          <a:fontRef idx="minor">
-            <a:schemeClr val="dk1"/>
-          </a:fontRef>
-        </p:style>
-        <p:txBody>
-          <a:bodyPr rtlCol="0" anchor="ctr"/>
-          <a:lstStyle/>
-          <a:p>
-            <a:pPr algn="ctr"/>
-            <a:r>
-              <a:rPr lang="en-US" altLang="ko-KR" dirty="0"/>
-              <a:t>Data and Databases’ inner structure</a:t>
-            </a:r>
-            <a:endParaRPr lang="ko-KR" altLang="en-US" dirty="0"/>
-          </a:p>
-        </p:txBody>
-      </p:sp>
-      <p:sp>
-        <p:nvSpPr>
-          <p:cNvPr id="12" name="직사각형 11">
-            <a:extLst>
-              <a:ext uri="{FF2B5EF4-FFF2-40B4-BE49-F238E27FC236}">
-                <a16:creationId xmlns:a16="http://schemas.microsoft.com/office/drawing/2014/main" id="{E4803FA9-16AE-4F00-A2E4-F0D86D792291}"/>
-              </a:ext>
-            </a:extLst>
-          </p:cNvPr>
-          <p:cNvSpPr/>
-          <p:nvPr/>
-        </p:nvSpPr>
-        <p:spPr>
-          <a:xfrm>
-            <a:off x="4153957" y="3431884"/>
-            <a:ext cx="2570672" cy="534838"/>
-          </a:xfrm>
-          <a:prstGeom prst="rect">
-            <a:avLst/>
-          </a:prstGeom>
-        </p:spPr>
-        <p:style>
-          <a:lnRef idx="2">
-            <a:schemeClr val="dk1">
-              <a:shade val="50000"/>
-            </a:schemeClr>
-          </a:lnRef>
-          <a:fillRef idx="1">
-            <a:schemeClr val="dk1"/>
-          </a:fillRef>
-          <a:effectRef idx="0">
-            <a:schemeClr val="dk1"/>
-          </a:effectRef>
-          <a:fontRef idx="minor">
-            <a:schemeClr val="lt1"/>
-          </a:fontRef>
-        </p:style>
-        <p:txBody>
-          <a:bodyPr rtlCol="0" anchor="ctr"/>
-          <a:lstStyle/>
-          <a:p>
-            <a:pPr algn="ctr"/>
-            <a:r>
-              <a:rPr lang="en-US" altLang="ko-KR" dirty="0">
-                <a:latin typeface="Arial" panose="020B0604020202020204" pitchFamily="34" charset="0"/>
-                <a:cs typeface="Arial" panose="020B0604020202020204" pitchFamily="34" charset="0"/>
-              </a:rPr>
-              <a:t>Inner Structure</a:t>
-            </a:r>
-            <a:endParaRPr lang="ko-KR" altLang="en-US" dirty="0">
-              <a:latin typeface="Arial" panose="020B0604020202020204" pitchFamily="34" charset="0"/>
-              <a:cs typeface="Arial" panose="020B0604020202020204" pitchFamily="34" charset="0"/>
-            </a:endParaRPr>
-          </a:p>
-        </p:txBody>
-      </p:sp>
-      <p:sp>
-        <p:nvSpPr>
-          <p:cNvPr id="16" name="화살표: 왼쪽/위쪽 15">
-            <a:extLst>
-              <a:ext uri="{FF2B5EF4-FFF2-40B4-BE49-F238E27FC236}">
-                <a16:creationId xmlns:a16="http://schemas.microsoft.com/office/drawing/2014/main" id="{AF0C6541-1ED8-40C5-9E1A-AEA3C3AA35D9}"/>
-              </a:ext>
-            </a:extLst>
-          </p:cNvPr>
-          <p:cNvSpPr/>
-          <p:nvPr/>
-        </p:nvSpPr>
-        <p:spPr>
-          <a:xfrm rot="16200000">
-            <a:off x="5440731" y="2365084"/>
-            <a:ext cx="531962" cy="534838"/>
-          </a:xfrm>
-          <a:prstGeom prst="leftUpArrow">
-            <a:avLst/>
-          </a:prstGeom>
-        </p:spPr>
-        <p:style>
-          <a:lnRef idx="2">
-            <a:schemeClr val="dk1"/>
-          </a:lnRef>
-          <a:fillRef idx="1">
-            <a:schemeClr val="lt1"/>
-          </a:fillRef>
-          <a:effectRef idx="0">
-            <a:schemeClr val="dk1"/>
-          </a:effectRef>
-          <a:fontRef idx="minor">
-            <a:schemeClr val="dk1"/>
-          </a:fontRef>
-        </p:style>
-        <p:txBody>
-          <a:bodyPr rtlCol="0" anchor="ctr"/>
-          <a:lstStyle/>
-          <a:p>
-            <a:pPr algn="ctr"/>
-            <a:endParaRPr lang="ko-KR" altLang="en-US"/>
-          </a:p>
-        </p:txBody>
-      </p:sp>
-      <p:sp>
-        <p:nvSpPr>
-          <p:cNvPr id="17" name="화살표: 왼쪽/위쪽 16">
-            <a:extLst>
-              <a:ext uri="{FF2B5EF4-FFF2-40B4-BE49-F238E27FC236}">
-                <a16:creationId xmlns:a16="http://schemas.microsoft.com/office/drawing/2014/main" id="{4F2B1FF3-70D8-4FC4-AAB8-E70EA85FF861}"/>
-              </a:ext>
-            </a:extLst>
-          </p:cNvPr>
-          <p:cNvSpPr/>
-          <p:nvPr/>
-        </p:nvSpPr>
-        <p:spPr>
-          <a:xfrm rot="10800000">
-            <a:off x="1344621" y="2362208"/>
-            <a:ext cx="531962" cy="534838"/>
-          </a:xfrm>
-          <a:prstGeom prst="leftUpArrow">
-            <a:avLst/>
-          </a:prstGeom>
-        </p:spPr>
-        <p:style>
-          <a:lnRef idx="2">
-            <a:schemeClr val="dk1"/>
-          </a:lnRef>
-          <a:fillRef idx="1">
-            <a:schemeClr val="lt1"/>
-          </a:fillRef>
-          <a:effectRef idx="0">
-            <a:schemeClr val="dk1"/>
-          </a:effectRef>
-          <a:fontRef idx="minor">
-            <a:schemeClr val="dk1"/>
-          </a:fontRef>
-        </p:style>
-        <p:txBody>
-          <a:bodyPr rtlCol="0" anchor="ctr"/>
-          <a:lstStyle/>
-          <a:p>
-            <a:pPr algn="ctr"/>
-            <a:endParaRPr lang="ko-KR" altLang="en-US"/>
-          </a:p>
-        </p:txBody>
-      </p:sp>
-      <p:sp>
-        <p:nvSpPr>
-          <p:cNvPr id="18" name="화살표: 왼쪽/오른쪽 17">
-            <a:extLst>
-              <a:ext uri="{FF2B5EF4-FFF2-40B4-BE49-F238E27FC236}">
-                <a16:creationId xmlns:a16="http://schemas.microsoft.com/office/drawing/2014/main" id="{C6E988B5-314B-4ECA-836E-84938C2AFB13}"/>
-              </a:ext>
-            </a:extLst>
-          </p:cNvPr>
-          <p:cNvSpPr/>
-          <p:nvPr/>
-        </p:nvSpPr>
-        <p:spPr>
-          <a:xfrm>
-            <a:off x="3354576" y="4670851"/>
-            <a:ext cx="586596" cy="293299"/>
-          </a:xfrm>
-          <a:prstGeom prst="leftRightArrow">
-            <a:avLst/>
-          </a:prstGeom>
-        </p:spPr>
-        <p:style>
-          <a:lnRef idx="2">
-            <a:schemeClr val="dk1"/>
-          </a:lnRef>
-          <a:fillRef idx="1">
-            <a:schemeClr val="lt1"/>
-          </a:fillRef>
-          <a:effectRef idx="0">
-            <a:schemeClr val="dk1"/>
-          </a:effectRef>
-          <a:fontRef idx="minor">
-            <a:schemeClr val="dk1"/>
-          </a:fontRef>
-        </p:style>
-        <p:txBody>
-          <a:bodyPr rtlCol="0" anchor="ctr"/>
-          <a:lstStyle/>
-          <a:p>
-            <a:pPr algn="ctr"/>
-            <a:endParaRPr lang="ko-KR" altLang="en-US"/>
-          </a:p>
-        </p:txBody>
-      </p:sp>
-      <p:sp>
-        <p:nvSpPr>
-          <p:cNvPr id="20" name="TextBox 19">
-            <a:extLst>
-              <a:ext uri="{FF2B5EF4-FFF2-40B4-BE49-F238E27FC236}">
-                <a16:creationId xmlns:a16="http://schemas.microsoft.com/office/drawing/2014/main" id="{49AEF1F5-874F-42CA-8689-55F90EABB391}"/>
-              </a:ext>
-            </a:extLst>
-          </p:cNvPr>
-          <p:cNvSpPr txBox="1"/>
-          <p:nvPr/>
-        </p:nvSpPr>
-        <p:spPr>
-          <a:xfrm>
-            <a:off x="7318958" y="4394763"/>
-            <a:ext cx="4253040" cy="1138773"/>
-          </a:xfrm>
-          <a:prstGeom prst="rect">
-            <a:avLst/>
-          </a:prstGeom>
-          <a:noFill/>
-        </p:spPr>
-        <p:txBody>
-          <a:bodyPr wrap="square" rtlCol="0">
-            <a:spAutoFit/>
-          </a:bodyPr>
-          <a:lstStyle/>
-          <a:p>
-            <a:pPr algn="ctr"/>
-            <a:r>
-              <a:rPr lang="en-US" altLang="ko-KR" sz="2400" dirty="0"/>
-              <a:t>Those elements needs</a:t>
-            </a:r>
-          </a:p>
-          <a:p>
-            <a:pPr algn="ctr"/>
-            <a:r>
-              <a:rPr lang="en-US" altLang="ko-KR" sz="3200" dirty="0"/>
-              <a:t> </a:t>
-            </a:r>
-            <a:r>
-              <a:rPr lang="en-US" altLang="ko-KR" sz="4400" dirty="0"/>
-              <a:t>“Design of DB”</a:t>
-            </a:r>
-          </a:p>
-        </p:txBody>
-      </p:sp>
     </p:spTree>
     <p:extLst>
       <p:ext uri="{BB962C8B-B14F-4D97-AF65-F5344CB8AC3E}">
-        <p14:creationId xmlns:p14="http://schemas.microsoft.com/office/powerpoint/2010/main" val="2087822994"/>
+        <p14:creationId xmlns:p14="http://schemas.microsoft.com/office/powerpoint/2010/main" val="3435617134"/>
       </p:ext>
     </p:extLst>
   </p:cSld>
@@ -10197,10 +10752,10 @@
       </p:grpSpPr>
       <p:sp>
         <p:nvSpPr>
-          <p:cNvPr id="4" name="평행 사변형 3">
-            <a:extLst>
-              <a:ext uri="{FF2B5EF4-FFF2-40B4-BE49-F238E27FC236}">
-                <a16:creationId xmlns:a16="http://schemas.microsoft.com/office/drawing/2014/main" id="{E477664E-BFD5-400B-ABE3-6F5B1B2C616F}"/>
+          <p:cNvPr id="5" name="순서도: 처리 4">
+            <a:extLst>
+              <a:ext uri="{FF2B5EF4-FFF2-40B4-BE49-F238E27FC236}">
+                <a16:creationId xmlns:a16="http://schemas.microsoft.com/office/drawing/2014/main" id="{13D64261-93A9-47F8-A6C6-D936ECEB76AB}"/>
               </a:ext>
             </a:extLst>
           </p:cNvPr>
@@ -10208,14 +10763,12 @@
           <p:nvPr/>
         </p:nvSpPr>
         <p:spPr>
-          <a:xfrm rot="10800000">
-            <a:off x="-830516" y="-902800"/>
-            <a:ext cx="5461238" cy="1761688"/>
-          </a:xfrm>
-          <a:prstGeom prst="parallelogram">
-            <a:avLst>
-              <a:gd name="adj" fmla="val 56428"/>
-            </a:avLst>
+          <a:xfrm>
+            <a:off x="6769531" y="1759073"/>
+            <a:ext cx="5020574" cy="86263"/>
+          </a:xfrm>
+          <a:prstGeom prst="flowChartProcess">
+            <a:avLst/>
           </a:prstGeom>
         </p:spPr>
         <p:style>
@@ -10239,51 +10792,47 @@
           <a:lstStyle/>
           <a:p>
             <a:pPr algn="ctr"/>
-            <a:endParaRPr lang="ko-KR" altLang="en-US"/>
-          </a:p>
-        </p:txBody>
-      </p:sp>
-      <p:sp>
-        <p:nvSpPr>
-          <p:cNvPr id="5" name="직사각형 4">
-            <a:extLst>
-              <a:ext uri="{FF2B5EF4-FFF2-40B4-BE49-F238E27FC236}">
-                <a16:creationId xmlns:a16="http://schemas.microsoft.com/office/drawing/2014/main" id="{D7F1DFB5-8066-462A-8D7D-53B48233EA83}"/>
-              </a:ext>
-            </a:extLst>
-          </p:cNvPr>
-          <p:cNvSpPr/>
-          <p:nvPr/>
-        </p:nvSpPr>
-        <p:spPr>
-          <a:xfrm>
-            <a:off x="192033" y="41945"/>
-            <a:ext cx="3007555" cy="707886"/>
-          </a:xfrm>
-          <a:prstGeom prst="rect">
-            <a:avLst/>
-          </a:prstGeom>
-        </p:spPr>
-        <p:txBody>
-          <a:bodyPr wrap="none">
-            <a:spAutoFit/>
+            <a:endParaRPr lang="ko-KR" altLang="en-US" dirty="0"/>
+          </a:p>
+        </p:txBody>
+      </p:sp>
+      <p:sp>
+        <p:nvSpPr>
+          <p:cNvPr id="6" name="제목 1">
+            <a:extLst>
+              <a:ext uri="{FF2B5EF4-FFF2-40B4-BE49-F238E27FC236}">
+                <a16:creationId xmlns:a16="http://schemas.microsoft.com/office/drawing/2014/main" id="{3473AA1E-C84B-41EE-9AD5-0C4466E5C22B}"/>
+              </a:ext>
+            </a:extLst>
+          </p:cNvPr>
+          <p:cNvSpPr>
+            <a:spLocks noGrp="1"/>
+          </p:cNvSpPr>
+          <p:nvPr>
+            <p:ph type="title"/>
+          </p:nvPr>
+        </p:nvSpPr>
+        <p:spPr>
+          <a:xfrm>
+            <a:off x="6367636" y="806574"/>
+            <a:ext cx="5824364" cy="1104900"/>
+          </a:xfrm>
+        </p:spPr>
+        <p:txBody>
+          <a:bodyPr>
+            <a:normAutofit/>
           </a:bodyPr>
           <a:lstStyle/>
           <a:p>
-            <a:r>
-              <a:rPr lang="en-US" altLang="ko-KR" sz="4000" dirty="0">
-                <a:solidFill>
-                  <a:schemeClr val="bg1"/>
-                </a:solidFill>
+            <a:pPr algn="ctr"/>
+            <a:r>
+              <a:rPr lang="en-US" altLang="ko-KR" dirty="0">
                 <a:latin typeface="Arial" panose="020B0604020202020204" pitchFamily="34" charset="0"/>
                 <a:cs typeface="Arial" panose="020B0604020202020204" pitchFamily="34" charset="0"/>
               </a:rPr>
-              <a:t>What we did</a:t>
-            </a:r>
-            <a:endParaRPr lang="ko-KR" altLang="en-US" sz="4000" dirty="0">
-              <a:solidFill>
-                <a:schemeClr val="bg1"/>
-              </a:solidFill>
+              <a:t>What is our Task?</a:t>
+            </a:r>
+            <a:endParaRPr lang="ko-KR" altLang="en-US" dirty="0">
               <a:latin typeface="Arial" panose="020B0604020202020204" pitchFamily="34" charset="0"/>
               <a:cs typeface="Arial" panose="020B0604020202020204" pitchFamily="34" charset="0"/>
             </a:endParaRPr>
@@ -10292,10 +10841,10 @@
       </p:sp>
       <p:pic>
         <p:nvPicPr>
-          <p:cNvPr id="6" name="그림 5">
-            <a:extLst>
-              <a:ext uri="{FF2B5EF4-FFF2-40B4-BE49-F238E27FC236}">
-                <a16:creationId xmlns:a16="http://schemas.microsoft.com/office/drawing/2014/main" id="{96669A3F-17E0-4F40-8771-53A29C3D4650}"/>
+          <p:cNvPr id="2" name="그림 1">
+            <a:extLst>
+              <a:ext uri="{FF2B5EF4-FFF2-40B4-BE49-F238E27FC236}">
+                <a16:creationId xmlns:a16="http://schemas.microsoft.com/office/drawing/2014/main" id="{86412207-FE9C-4992-97E6-5486652330EB}"/>
               </a:ext>
             </a:extLst>
           </p:cNvPr>
@@ -10305,21 +10854,15 @@
           <p:nvPr/>
         </p:nvPicPr>
         <p:blipFill>
-          <a:blip r:embed="rId2">
-            <a:extLst>
-              <a:ext uri="{28A0092B-C50C-407E-A947-70E740481C1C}">
-                <a14:useLocalDpi xmlns:a14="http://schemas.microsoft.com/office/drawing/2010/main" val="0"/>
-              </a:ext>
-            </a:extLst>
-          </a:blip>
+          <a:blip r:embed="rId2"/>
           <a:stretch>
             <a:fillRect/>
           </a:stretch>
         </p:blipFill>
         <p:spPr>
           <a:xfrm>
-            <a:off x="6248615" y="1510019"/>
-            <a:ext cx="5487598" cy="4115699"/>
+            <a:off x="1017902" y="269579"/>
+            <a:ext cx="1506101" cy="2389517"/>
           </a:xfrm>
           <a:prstGeom prst="rect">
             <a:avLst/>
@@ -10328,10 +10871,10 @@
       </p:pic>
       <p:pic>
         <p:nvPicPr>
-          <p:cNvPr id="7" name="그림 6">
-            <a:extLst>
-              <a:ext uri="{FF2B5EF4-FFF2-40B4-BE49-F238E27FC236}">
-                <a16:creationId xmlns:a16="http://schemas.microsoft.com/office/drawing/2014/main" id="{6808B832-EFA2-48DF-8C0D-248D9B29B635}"/>
+          <p:cNvPr id="3" name="그림 2">
+            <a:extLst>
+              <a:ext uri="{FF2B5EF4-FFF2-40B4-BE49-F238E27FC236}">
+                <a16:creationId xmlns:a16="http://schemas.microsoft.com/office/drawing/2014/main" id="{615C90CB-EAD1-491E-9DDD-9D0BE0148912}"/>
               </a:ext>
             </a:extLst>
           </p:cNvPr>
@@ -10341,21 +10884,374 @@
           <p:nvPr/>
         </p:nvPicPr>
         <p:blipFill>
-          <a:blip r:embed="rId3">
-            <a:extLst>
-              <a:ext uri="{28A0092B-C50C-407E-A947-70E740481C1C}">
-                <a14:useLocalDpi xmlns:a14="http://schemas.microsoft.com/office/drawing/2010/main" val="0"/>
-              </a:ext>
-            </a:extLst>
-          </a:blip>
+          <a:blip r:embed="rId3"/>
           <a:stretch>
             <a:fillRect/>
           </a:stretch>
         </p:blipFill>
         <p:spPr>
           <a:xfrm>
-            <a:off x="455789" y="1510019"/>
-            <a:ext cx="5487598" cy="4115698"/>
+            <a:off x="2768315" y="269579"/>
+            <a:ext cx="1494602" cy="2389517"/>
+          </a:xfrm>
+          <a:prstGeom prst="rect">
+            <a:avLst/>
+          </a:prstGeom>
+        </p:spPr>
+      </p:pic>
+      <p:pic>
+        <p:nvPicPr>
+          <p:cNvPr id="4" name="그림 3">
+            <a:extLst>
+              <a:ext uri="{FF2B5EF4-FFF2-40B4-BE49-F238E27FC236}">
+                <a16:creationId xmlns:a16="http://schemas.microsoft.com/office/drawing/2014/main" id="{2359E8F3-E5C1-4A12-80A2-B6383743D1FB}"/>
+              </a:ext>
+            </a:extLst>
+          </p:cNvPr>
+          <p:cNvPicPr>
+            <a:picLocks noChangeAspect="1"/>
+          </p:cNvPicPr>
+          <p:nvPr/>
+        </p:nvPicPr>
+        <p:blipFill>
+          <a:blip r:embed="rId4"/>
+          <a:stretch>
+            <a:fillRect/>
+          </a:stretch>
+        </p:blipFill>
+        <p:spPr>
+          <a:xfrm>
+            <a:off x="4507229" y="269579"/>
+            <a:ext cx="1495138" cy="1949570"/>
+          </a:xfrm>
+          <a:prstGeom prst="rect">
+            <a:avLst/>
+          </a:prstGeom>
+        </p:spPr>
+      </p:pic>
+      <p:pic>
+        <p:nvPicPr>
+          <p:cNvPr id="13" name="그림 12">
+            <a:extLst>
+              <a:ext uri="{FF2B5EF4-FFF2-40B4-BE49-F238E27FC236}">
+                <a16:creationId xmlns:a16="http://schemas.microsoft.com/office/drawing/2014/main" id="{82DCD582-80B2-4765-87F4-F275C6EC0700}"/>
+              </a:ext>
+            </a:extLst>
+          </p:cNvPr>
+          <p:cNvPicPr>
+            <a:picLocks noChangeAspect="1"/>
+          </p:cNvPicPr>
+          <p:nvPr/>
+        </p:nvPicPr>
+        <p:blipFill>
+          <a:blip r:embed="rId5"/>
+          <a:stretch>
+            <a:fillRect/>
+          </a:stretch>
+        </p:blipFill>
+        <p:spPr>
+          <a:xfrm>
+            <a:off x="1023650" y="2917890"/>
+            <a:ext cx="1494603" cy="2396254"/>
+          </a:xfrm>
+          <a:prstGeom prst="rect">
+            <a:avLst/>
+          </a:prstGeom>
+        </p:spPr>
+      </p:pic>
+      <p:pic>
+        <p:nvPicPr>
+          <p:cNvPr id="15" name="그림 14">
+            <a:extLst>
+              <a:ext uri="{FF2B5EF4-FFF2-40B4-BE49-F238E27FC236}">
+                <a16:creationId xmlns:a16="http://schemas.microsoft.com/office/drawing/2014/main" id="{134F4B10-894F-440B-90D4-9A7D6257BF75}"/>
+              </a:ext>
+            </a:extLst>
+          </p:cNvPr>
+          <p:cNvPicPr>
+            <a:picLocks noChangeAspect="1"/>
+          </p:cNvPicPr>
+          <p:nvPr/>
+        </p:nvPicPr>
+        <p:blipFill>
+          <a:blip r:embed="rId6"/>
+          <a:stretch>
+            <a:fillRect/>
+          </a:stretch>
+        </p:blipFill>
+        <p:spPr>
+          <a:xfrm>
+            <a:off x="2768315" y="2917890"/>
+            <a:ext cx="1494602" cy="2452760"/>
+          </a:xfrm>
+          <a:prstGeom prst="rect">
+            <a:avLst/>
+          </a:prstGeom>
+        </p:spPr>
+      </p:pic>
+      <p:pic>
+        <p:nvPicPr>
+          <p:cNvPr id="19" name="그림 18">
+            <a:extLst>
+              <a:ext uri="{FF2B5EF4-FFF2-40B4-BE49-F238E27FC236}">
+                <a16:creationId xmlns:a16="http://schemas.microsoft.com/office/drawing/2014/main" id="{BFF80F8B-8EA6-48AB-B494-2DBB6F09E30E}"/>
+              </a:ext>
+            </a:extLst>
+          </p:cNvPr>
+          <p:cNvPicPr>
+            <a:picLocks noChangeAspect="1"/>
+          </p:cNvPicPr>
+          <p:nvPr/>
+        </p:nvPicPr>
+        <p:blipFill>
+          <a:blip r:embed="rId7"/>
+          <a:stretch>
+            <a:fillRect/>
+          </a:stretch>
+        </p:blipFill>
+        <p:spPr>
+          <a:xfrm>
+            <a:off x="4507229" y="2917890"/>
+            <a:ext cx="1506101" cy="2436249"/>
+          </a:xfrm>
+          <a:prstGeom prst="rect">
+            <a:avLst/>
+          </a:prstGeom>
+        </p:spPr>
+      </p:pic>
+      <p:pic>
+        <p:nvPicPr>
+          <p:cNvPr id="21" name="그림 20">
+            <a:extLst>
+              <a:ext uri="{FF2B5EF4-FFF2-40B4-BE49-F238E27FC236}">
+                <a16:creationId xmlns:a16="http://schemas.microsoft.com/office/drawing/2014/main" id="{66DFD7B9-2D6D-4A32-BB70-C243F353A512}"/>
+              </a:ext>
+            </a:extLst>
+          </p:cNvPr>
+          <p:cNvPicPr>
+            <a:picLocks noChangeAspect="1"/>
+          </p:cNvPicPr>
+          <p:nvPr/>
+        </p:nvPicPr>
+        <p:blipFill rotWithShape="1">
+          <a:blip r:embed="rId8"/>
+          <a:srcRect t="4529"/>
+          <a:stretch/>
+        </p:blipFill>
+        <p:spPr>
+          <a:xfrm>
+            <a:off x="6251893" y="2917890"/>
+            <a:ext cx="1494602" cy="2323170"/>
+          </a:xfrm>
+          <a:prstGeom prst="rect">
+            <a:avLst/>
+          </a:prstGeom>
+        </p:spPr>
+      </p:pic>
+      <p:pic>
+        <p:nvPicPr>
+          <p:cNvPr id="22" name="그림 21">
+            <a:extLst>
+              <a:ext uri="{FF2B5EF4-FFF2-40B4-BE49-F238E27FC236}">
+                <a16:creationId xmlns:a16="http://schemas.microsoft.com/office/drawing/2014/main" id="{0E6CED76-64DE-4831-A502-54BD95F04836}"/>
+              </a:ext>
+            </a:extLst>
+          </p:cNvPr>
+          <p:cNvPicPr>
+            <a:picLocks noChangeAspect="1"/>
+          </p:cNvPicPr>
+          <p:nvPr/>
+        </p:nvPicPr>
+        <p:blipFill>
+          <a:blip r:embed="rId9"/>
+          <a:stretch>
+            <a:fillRect/>
+          </a:stretch>
+        </p:blipFill>
+        <p:spPr>
+          <a:xfrm>
+            <a:off x="7985058" y="2917890"/>
+            <a:ext cx="1480827" cy="2389517"/>
+          </a:xfrm>
+          <a:prstGeom prst="rect">
+            <a:avLst/>
+          </a:prstGeom>
+        </p:spPr>
+      </p:pic>
+      <p:pic>
+        <p:nvPicPr>
+          <p:cNvPr id="23" name="그림 22">
+            <a:extLst>
+              <a:ext uri="{FF2B5EF4-FFF2-40B4-BE49-F238E27FC236}">
+                <a16:creationId xmlns:a16="http://schemas.microsoft.com/office/drawing/2014/main" id="{7379001E-253D-4FC1-A678-3C6B0C5552A2}"/>
+              </a:ext>
+            </a:extLst>
+          </p:cNvPr>
+          <p:cNvPicPr>
+            <a:picLocks noChangeAspect="1"/>
+          </p:cNvPicPr>
+          <p:nvPr/>
+        </p:nvPicPr>
+        <p:blipFill>
+          <a:blip r:embed="rId10"/>
+          <a:stretch>
+            <a:fillRect/>
+          </a:stretch>
+        </p:blipFill>
+        <p:spPr>
+          <a:xfrm>
+            <a:off x="9704448" y="2917890"/>
+            <a:ext cx="1491707" cy="2175024"/>
+          </a:xfrm>
+          <a:prstGeom prst="rect">
+            <a:avLst/>
+          </a:prstGeom>
+        </p:spPr>
+      </p:pic>
+      <p:pic>
+        <p:nvPicPr>
+          <p:cNvPr id="24" name="그림 23">
+            <a:extLst>
+              <a:ext uri="{FF2B5EF4-FFF2-40B4-BE49-F238E27FC236}">
+                <a16:creationId xmlns:a16="http://schemas.microsoft.com/office/drawing/2014/main" id="{BFEB6E68-72CD-4F6D-B13B-DA1384EEAE71}"/>
+              </a:ext>
+            </a:extLst>
+          </p:cNvPr>
+          <p:cNvPicPr>
+            <a:picLocks noChangeAspect="1"/>
+          </p:cNvPicPr>
+          <p:nvPr/>
+        </p:nvPicPr>
+        <p:blipFill>
+          <a:blip r:embed="rId11"/>
+          <a:stretch>
+            <a:fillRect/>
+          </a:stretch>
+        </p:blipFill>
+        <p:spPr>
+          <a:xfrm>
+            <a:off x="1017902" y="5572938"/>
+            <a:ext cx="1494602" cy="2312793"/>
+          </a:xfrm>
+          <a:prstGeom prst="rect">
+            <a:avLst/>
+          </a:prstGeom>
+        </p:spPr>
+      </p:pic>
+      <p:pic>
+        <p:nvPicPr>
+          <p:cNvPr id="25" name="그림 24">
+            <a:extLst>
+              <a:ext uri="{FF2B5EF4-FFF2-40B4-BE49-F238E27FC236}">
+                <a16:creationId xmlns:a16="http://schemas.microsoft.com/office/drawing/2014/main" id="{E1869885-89A7-4447-9957-6F82FDC1F113}"/>
+              </a:ext>
+            </a:extLst>
+          </p:cNvPr>
+          <p:cNvPicPr>
+            <a:picLocks noChangeAspect="1"/>
+          </p:cNvPicPr>
+          <p:nvPr/>
+        </p:nvPicPr>
+        <p:blipFill>
+          <a:blip r:embed="rId12"/>
+          <a:stretch>
+            <a:fillRect/>
+          </a:stretch>
+        </p:blipFill>
+        <p:spPr>
+          <a:xfrm>
+            <a:off x="2768315" y="5572938"/>
+            <a:ext cx="1508364" cy="2389517"/>
+          </a:xfrm>
+          <a:prstGeom prst="rect">
+            <a:avLst/>
+          </a:prstGeom>
+        </p:spPr>
+      </p:pic>
+      <p:pic>
+        <p:nvPicPr>
+          <p:cNvPr id="26" name="그림 25">
+            <a:extLst>
+              <a:ext uri="{FF2B5EF4-FFF2-40B4-BE49-F238E27FC236}">
+                <a16:creationId xmlns:a16="http://schemas.microsoft.com/office/drawing/2014/main" id="{E3EDE715-00FD-414D-8DF1-851ADA9B95CD}"/>
+              </a:ext>
+            </a:extLst>
+          </p:cNvPr>
+          <p:cNvPicPr>
+            <a:picLocks noChangeAspect="1"/>
+          </p:cNvPicPr>
+          <p:nvPr/>
+        </p:nvPicPr>
+        <p:blipFill>
+          <a:blip r:embed="rId13"/>
+          <a:stretch>
+            <a:fillRect/>
+          </a:stretch>
+        </p:blipFill>
+        <p:spPr>
+          <a:xfrm>
+            <a:off x="4532490" y="5572938"/>
+            <a:ext cx="1494602" cy="2401820"/>
+          </a:xfrm>
+          <a:prstGeom prst="rect">
+            <a:avLst/>
+          </a:prstGeom>
+        </p:spPr>
+      </p:pic>
+      <p:pic>
+        <p:nvPicPr>
+          <p:cNvPr id="27" name="그림 26">
+            <a:extLst>
+              <a:ext uri="{FF2B5EF4-FFF2-40B4-BE49-F238E27FC236}">
+                <a16:creationId xmlns:a16="http://schemas.microsoft.com/office/drawing/2014/main" id="{AC7DEB2D-F259-46EE-AA0C-95221E5046B0}"/>
+              </a:ext>
+            </a:extLst>
+          </p:cNvPr>
+          <p:cNvPicPr>
+            <a:picLocks noChangeAspect="1"/>
+          </p:cNvPicPr>
+          <p:nvPr/>
+        </p:nvPicPr>
+        <p:blipFill>
+          <a:blip r:embed="rId14"/>
+          <a:stretch>
+            <a:fillRect/>
+          </a:stretch>
+        </p:blipFill>
+        <p:spPr>
+          <a:xfrm>
+            <a:off x="6282903" y="5572937"/>
+            <a:ext cx="1493831" cy="2389517"/>
+          </a:xfrm>
+          <a:prstGeom prst="rect">
+            <a:avLst/>
+          </a:prstGeom>
+        </p:spPr>
+      </p:pic>
+      <p:pic>
+        <p:nvPicPr>
+          <p:cNvPr id="28" name="그림 27">
+            <a:extLst>
+              <a:ext uri="{FF2B5EF4-FFF2-40B4-BE49-F238E27FC236}">
+                <a16:creationId xmlns:a16="http://schemas.microsoft.com/office/drawing/2014/main" id="{4B90009C-AA76-4951-96E4-BFD8042FA805}"/>
+              </a:ext>
+            </a:extLst>
+          </p:cNvPr>
+          <p:cNvPicPr>
+            <a:picLocks noChangeAspect="1"/>
+          </p:cNvPicPr>
+          <p:nvPr/>
+        </p:nvPicPr>
+        <p:blipFill>
+          <a:blip r:embed="rId15"/>
+          <a:stretch>
+            <a:fillRect/>
+          </a:stretch>
+        </p:blipFill>
+        <p:spPr>
+          <a:xfrm>
+            <a:off x="7985058" y="5583790"/>
+            <a:ext cx="1509971" cy="581936"/>
           </a:xfrm>
           <a:prstGeom prst="rect">
             <a:avLst/>
@@ -10365,7 +11261,7 @@
     </p:spTree>
     <p:extLst>
       <p:ext uri="{BB962C8B-B14F-4D97-AF65-F5344CB8AC3E}">
-        <p14:creationId xmlns:p14="http://schemas.microsoft.com/office/powerpoint/2010/main" val="1152635000"/>
+        <p14:creationId xmlns:p14="http://schemas.microsoft.com/office/powerpoint/2010/main" val="294417913"/>
       </p:ext>
     </p:extLst>
   </p:cSld>
